--- a/基础PPT/第11章：Java泛型简介.pptx
+++ b/基础PPT/第11章：Java泛型简介.pptx
@@ -5,30 +5,21 @@
     <p:sldMasterId id="2147483648" r:id="rId1"/>
   </p:sldMasterIdLst>
   <p:notesMasterIdLst>
-    <p:notesMasterId r:id="rId24"/>
+    <p:notesMasterId r:id="rId7"/>
   </p:notesMasterIdLst>
   <p:sldIdLst>
     <p:sldId id="660" r:id="rId3"/>
     <p:sldId id="678" r:id="rId4"/>
     <p:sldId id="689" r:id="rId5"/>
     <p:sldId id="691" r:id="rId6"/>
-    <p:sldId id="692" r:id="rId7"/>
-    <p:sldId id="693" r:id="rId8"/>
-    <p:sldId id="694" r:id="rId9"/>
-    <p:sldId id="695" r:id="rId10"/>
-    <p:sldId id="696" r:id="rId11"/>
+    <p:sldId id="692" r:id="rId8"/>
+    <p:sldId id="693" r:id="rId9"/>
+    <p:sldId id="694" r:id="rId10"/>
+    <p:sldId id="695" r:id="rId11"/>
     <p:sldId id="697" r:id="rId12"/>
     <p:sldId id="698" r:id="rId13"/>
-    <p:sldId id="699" r:id="rId14"/>
-    <p:sldId id="700" r:id="rId15"/>
-    <p:sldId id="701" r:id="rId16"/>
-    <p:sldId id="702" r:id="rId17"/>
-    <p:sldId id="703" r:id="rId18"/>
-    <p:sldId id="704" r:id="rId19"/>
-    <p:sldId id="705" r:id="rId20"/>
-    <p:sldId id="706" r:id="rId21"/>
-    <p:sldId id="707" r:id="rId22"/>
-    <p:sldId id="662" r:id="rId23"/>
+    <p:sldId id="713" r:id="rId14"/>
+    <p:sldId id="662" r:id="rId15"/>
   </p:sldIdLst>
   <p:sldSz cx="12192000" cy="6858000"/>
   <p:notesSz cx="6858000" cy="9144000"/>
@@ -475,6 +466,50 @@
     </a:lvl9pPr>
   </p:notesStyle>
 </p:notesMaster>
+</file>
+
+<file path=ppt/notesSlides/notesSlide1.xml><?xml version="1.0" encoding="utf-8"?>
+<p:notes xmlns:a="http://schemas.openxmlformats.org/drawingml/2006/main" xmlns:r="http://schemas.openxmlformats.org/officeDocument/2006/relationships" xmlns:p="http://schemas.openxmlformats.org/presentationml/2006/main">
+  <p:cSld>
+    <p:spTree>
+      <p:nvGrpSpPr>
+        <p:cNvPr id="1" name=""/>
+        <p:cNvGrpSpPr/>
+        <p:nvPr/>
+      </p:nvGrpSpPr>
+      <p:grpSpPr/>
+      <p:sp>
+        <p:nvSpPr>
+          <p:cNvPr id="2" name="幻灯片图像占位符 1"/>
+          <p:cNvSpPr/>
+          <p:nvPr>
+            <p:ph type="sldImg" idx="2"/>
+          </p:nvPr>
+        </p:nvSpPr>
+        <p:spPr/>
+      </p:sp>
+      <p:sp>
+        <p:nvSpPr>
+          <p:cNvPr id="3" name="文本占位符 2"/>
+          <p:cNvSpPr/>
+          <p:nvPr>
+            <p:ph type="body" idx="3"/>
+          </p:nvPr>
+        </p:nvSpPr>
+        <p:spPr/>
+        <p:txBody>
+          <a:bodyPr/>
+          <a:p>
+            <a:endParaRPr lang="zh-CN" altLang="en-US"/>
+          </a:p>
+        </p:txBody>
+      </p:sp>
+    </p:spTree>
+  </p:cSld>
+  <p:clrMapOvr>
+    <a:masterClrMapping/>
+  </p:clrMapOvr>
+</p:notes>
 </file>
 
 <file path=ppt/slideLayouts/slideLayout1.xml><?xml version="1.0" encoding="utf-8"?>
@@ -6375,14 +6410,722 @@
       <p:grpSpPr/>
       <p:sp>
         <p:nvSpPr>
-          <p:cNvPr id="2" name="文本框 1"/>
+          <p:cNvPr id="7" name="椭圆 6"/>
+          <p:cNvSpPr/>
+          <p:nvPr/>
+        </p:nvSpPr>
+        <p:spPr>
+          <a:xfrm>
+            <a:off x="6053455" y="1525905"/>
+            <a:ext cx="2149475" cy="2030730"/>
+          </a:xfrm>
+          <a:prstGeom prst="ellipse">
+            <a:avLst/>
+          </a:prstGeom>
+          <a:noFill/>
+          <a:ln w="38100"/>
+          <a:extLst>
+            <a:ext uri="{909E8E84-426E-40DD-AFC4-6F175D3DCCD1}">
+              <a14:hiddenFill xmlns:a14="http://schemas.microsoft.com/office/drawing/2010/main">
+                <a:solidFill>
+                  <a:schemeClr val="accent1"/>
+                </a:solidFill>
+              </a14:hiddenFill>
+            </a:ext>
+          </a:extLst>
+        </p:spPr>
+        <p:style>
+          <a:lnRef idx="2">
+            <a:schemeClr val="accent1">
+              <a:shade val="50000"/>
+            </a:schemeClr>
+          </a:lnRef>
+          <a:fillRef idx="1">
+            <a:schemeClr val="accent1"/>
+          </a:fillRef>
+          <a:effectRef idx="0">
+            <a:schemeClr val="accent1"/>
+          </a:effectRef>
+          <a:fontRef idx="minor">
+            <a:schemeClr val="lt1"/>
+          </a:fontRef>
+        </p:style>
+        <p:txBody>
+          <a:bodyPr rtlCol="0" anchor="ctr"/>
+          <a:p>
+            <a:pPr algn="ctr"/>
+            <a:endParaRPr lang="zh-CN" altLang="en-US"/>
+          </a:p>
+        </p:txBody>
+      </p:sp>
+      <p:pic>
+        <p:nvPicPr>
+          <p:cNvPr id="8" name="图片 7"/>
+          <p:cNvPicPr>
+            <a:picLocks noChangeAspect="1"/>
+          </p:cNvPicPr>
+          <p:nvPr/>
+        </p:nvPicPr>
+        <p:blipFill>
+          <a:blip r:embed="rId2"/>
+          <a:stretch>
+            <a:fillRect/>
+          </a:stretch>
+        </p:blipFill>
+        <p:spPr>
+          <a:xfrm>
+            <a:off x="6436360" y="1652270"/>
+            <a:ext cx="754380" cy="668655"/>
+          </a:xfrm>
+          <a:prstGeom prst="rect">
+            <a:avLst/>
+          </a:prstGeom>
+        </p:spPr>
+      </p:pic>
+      <p:pic>
+        <p:nvPicPr>
+          <p:cNvPr id="9" name="图片 8"/>
+          <p:cNvPicPr>
+            <a:picLocks noChangeAspect="1"/>
+          </p:cNvPicPr>
+          <p:nvPr/>
+        </p:nvPicPr>
+        <p:blipFill>
+          <a:blip r:embed="rId2"/>
+          <a:stretch>
+            <a:fillRect/>
+          </a:stretch>
+        </p:blipFill>
+        <p:spPr>
+          <a:xfrm>
+            <a:off x="6436360" y="2416175"/>
+            <a:ext cx="754380" cy="668655"/>
+          </a:xfrm>
+          <a:prstGeom prst="rect">
+            <a:avLst/>
+          </a:prstGeom>
+        </p:spPr>
+      </p:pic>
+      <p:pic>
+        <p:nvPicPr>
+          <p:cNvPr id="11" name="图片 10"/>
+          <p:cNvPicPr>
+            <a:picLocks noChangeAspect="1"/>
+          </p:cNvPicPr>
+          <p:nvPr/>
+        </p:nvPicPr>
+        <p:blipFill>
+          <a:blip r:embed="rId2"/>
+          <a:stretch>
+            <a:fillRect/>
+          </a:stretch>
+        </p:blipFill>
+        <p:spPr>
+          <a:xfrm>
+            <a:off x="602615" y="2291715"/>
+            <a:ext cx="754380" cy="668655"/>
+          </a:xfrm>
+          <a:prstGeom prst="rect">
+            <a:avLst/>
+          </a:prstGeom>
+        </p:spPr>
+      </p:pic>
+      <p:sp>
+        <p:nvSpPr>
+          <p:cNvPr id="12" name="椭圆 11"/>
+          <p:cNvSpPr/>
+          <p:nvPr/>
+        </p:nvSpPr>
+        <p:spPr>
+          <a:xfrm>
+            <a:off x="2599690" y="2411095"/>
+            <a:ext cx="2149475" cy="2030730"/>
+          </a:xfrm>
+          <a:prstGeom prst="ellipse">
+            <a:avLst/>
+          </a:prstGeom>
+          <a:noFill/>
+          <a:ln w="38100">
+            <a:prstDash val="dash"/>
+          </a:ln>
+          <a:extLst>
+            <a:ext uri="{909E8E84-426E-40DD-AFC4-6F175D3DCCD1}">
+              <a14:hiddenFill xmlns:a14="http://schemas.microsoft.com/office/drawing/2010/main">
+                <a:solidFill>
+                  <a:schemeClr val="accent1"/>
+                </a:solidFill>
+              </a14:hiddenFill>
+            </a:ext>
+          </a:extLst>
+        </p:spPr>
+        <p:style>
+          <a:lnRef idx="2">
+            <a:schemeClr val="accent1">
+              <a:shade val="50000"/>
+            </a:schemeClr>
+          </a:lnRef>
+          <a:fillRef idx="1">
+            <a:schemeClr val="accent1"/>
+          </a:fillRef>
+          <a:effectRef idx="0">
+            <a:schemeClr val="accent1"/>
+          </a:effectRef>
+          <a:fontRef idx="minor">
+            <a:schemeClr val="lt1"/>
+          </a:fontRef>
+        </p:style>
+        <p:txBody>
+          <a:bodyPr rtlCol="0" anchor="ctr"/>
+          <a:p>
+            <a:pPr algn="ctr"/>
+            <a:endParaRPr lang="zh-CN" altLang="en-US"/>
+          </a:p>
+        </p:txBody>
+      </p:sp>
+      <p:pic>
+        <p:nvPicPr>
+          <p:cNvPr id="13" name="图片 12"/>
+          <p:cNvPicPr>
+            <a:picLocks noChangeAspect="1"/>
+          </p:cNvPicPr>
+          <p:nvPr/>
+        </p:nvPicPr>
+        <p:blipFill>
+          <a:blip r:embed="rId2"/>
+          <a:stretch>
+            <a:fillRect/>
+          </a:stretch>
+        </p:blipFill>
+        <p:spPr>
+          <a:xfrm>
+            <a:off x="2982595" y="2651760"/>
+            <a:ext cx="754380" cy="668655"/>
+          </a:xfrm>
+          <a:prstGeom prst="rect">
+            <a:avLst/>
+          </a:prstGeom>
+        </p:spPr>
+      </p:pic>
+      <p:pic>
+        <p:nvPicPr>
+          <p:cNvPr id="16" name="图片 15"/>
+          <p:cNvPicPr>
+            <a:picLocks noChangeAspect="1"/>
+          </p:cNvPicPr>
+          <p:nvPr/>
+        </p:nvPicPr>
+        <p:blipFill>
+          <a:blip r:embed="rId3"/>
+          <a:stretch>
+            <a:fillRect/>
+          </a:stretch>
+        </p:blipFill>
+        <p:spPr>
+          <a:xfrm>
+            <a:off x="2974975" y="3484245"/>
+            <a:ext cx="762000" cy="674370"/>
+          </a:xfrm>
+          <a:prstGeom prst="rect">
+            <a:avLst/>
+          </a:prstGeom>
+        </p:spPr>
+      </p:pic>
+      <p:pic>
+        <p:nvPicPr>
+          <p:cNvPr id="17" name="图片 16"/>
+          <p:cNvPicPr>
+            <a:picLocks noChangeAspect="1"/>
+          </p:cNvPicPr>
+          <p:nvPr/>
+        </p:nvPicPr>
+        <p:blipFill>
+          <a:blip r:embed="rId4"/>
+          <a:stretch>
+            <a:fillRect/>
+          </a:stretch>
+        </p:blipFill>
+        <p:spPr>
+          <a:xfrm>
+            <a:off x="3784600" y="3027680"/>
+            <a:ext cx="716915" cy="791210"/>
+          </a:xfrm>
+          <a:prstGeom prst="rect">
+            <a:avLst/>
+          </a:prstGeom>
+        </p:spPr>
+      </p:pic>
+      <p:sp>
+        <p:nvSpPr>
+          <p:cNvPr id="18" name="右箭头 17"/>
+          <p:cNvSpPr/>
+          <p:nvPr/>
+        </p:nvSpPr>
+        <p:spPr>
+          <a:xfrm>
+            <a:off x="1583055" y="2889885"/>
+            <a:ext cx="677545" cy="408305"/>
+          </a:xfrm>
+          <a:prstGeom prst="rightArrow">
+            <a:avLst/>
+          </a:prstGeom>
+        </p:spPr>
+        <p:style>
+          <a:lnRef idx="2">
+            <a:schemeClr val="accent1">
+              <a:shade val="50000"/>
+            </a:schemeClr>
+          </a:lnRef>
+          <a:fillRef idx="1">
+            <a:schemeClr val="accent1"/>
+          </a:fillRef>
+          <a:effectRef idx="0">
+            <a:schemeClr val="accent1"/>
+          </a:effectRef>
+          <a:fontRef idx="minor">
+            <a:schemeClr val="lt1"/>
+          </a:fontRef>
+        </p:style>
+        <p:txBody>
+          <a:bodyPr rtlCol="0" anchor="ctr"/>
+          <a:p>
+            <a:pPr algn="ctr"/>
+            <a:endParaRPr lang="zh-CN" altLang="en-US"/>
+          </a:p>
+        </p:txBody>
+      </p:sp>
+      <p:pic>
+        <p:nvPicPr>
+          <p:cNvPr id="21" name="图片 20"/>
+          <p:cNvPicPr>
+            <a:picLocks noChangeAspect="1"/>
+          </p:cNvPicPr>
+          <p:nvPr/>
+        </p:nvPicPr>
+        <p:blipFill>
+          <a:blip r:embed="rId3"/>
+          <a:stretch>
+            <a:fillRect/>
+          </a:stretch>
+        </p:blipFill>
+        <p:spPr>
+          <a:xfrm>
+            <a:off x="602615" y="3124200"/>
+            <a:ext cx="762000" cy="674370"/>
+          </a:xfrm>
+          <a:prstGeom prst="rect">
+            <a:avLst/>
+          </a:prstGeom>
+        </p:spPr>
+      </p:pic>
+      <p:pic>
+        <p:nvPicPr>
+          <p:cNvPr id="22" name="图片 21"/>
+          <p:cNvPicPr>
+            <a:picLocks noChangeAspect="1"/>
+          </p:cNvPicPr>
+          <p:nvPr/>
+        </p:nvPicPr>
+        <p:blipFill>
+          <a:blip r:embed="rId4"/>
+          <a:stretch>
+            <a:fillRect/>
+          </a:stretch>
+        </p:blipFill>
+        <p:spPr>
+          <a:xfrm>
+            <a:off x="647700" y="3917950"/>
+            <a:ext cx="716915" cy="791210"/>
+          </a:xfrm>
+          <a:prstGeom prst="rect">
+            <a:avLst/>
+          </a:prstGeom>
+        </p:spPr>
+      </p:pic>
+      <p:sp>
+        <p:nvSpPr>
+          <p:cNvPr id="23" name="椭圆 22"/>
+          <p:cNvSpPr/>
+          <p:nvPr/>
+        </p:nvSpPr>
+        <p:spPr>
+          <a:xfrm>
+            <a:off x="6053455" y="3697605"/>
+            <a:ext cx="2149475" cy="2030730"/>
+          </a:xfrm>
+          <a:prstGeom prst="ellipse">
+            <a:avLst/>
+          </a:prstGeom>
+          <a:noFill/>
+          <a:ln w="38100">
+            <a:prstDash val="solid"/>
+          </a:ln>
+          <a:extLst>
+            <a:ext uri="{909E8E84-426E-40DD-AFC4-6F175D3DCCD1}">
+              <a14:hiddenFill xmlns:a14="http://schemas.microsoft.com/office/drawing/2010/main">
+                <a:solidFill>
+                  <a:schemeClr val="accent1"/>
+                </a:solidFill>
+              </a14:hiddenFill>
+            </a:ext>
+          </a:extLst>
+        </p:spPr>
+        <p:style>
+          <a:lnRef idx="2">
+            <a:schemeClr val="accent1">
+              <a:shade val="50000"/>
+            </a:schemeClr>
+          </a:lnRef>
+          <a:fillRef idx="1">
+            <a:schemeClr val="accent1"/>
+          </a:fillRef>
+          <a:effectRef idx="0">
+            <a:schemeClr val="accent1"/>
+          </a:effectRef>
+          <a:fontRef idx="minor">
+            <a:schemeClr val="lt1"/>
+          </a:fontRef>
+        </p:style>
+        <p:txBody>
+          <a:bodyPr rtlCol="0" anchor="ctr"/>
+          <a:p>
+            <a:pPr algn="ctr"/>
+            <a:endParaRPr lang="zh-CN" altLang="en-US"/>
+          </a:p>
+        </p:txBody>
+      </p:sp>
+      <p:pic>
+        <p:nvPicPr>
+          <p:cNvPr id="24" name="图片 23"/>
+          <p:cNvPicPr>
+            <a:picLocks noChangeAspect="1"/>
+          </p:cNvPicPr>
+          <p:nvPr/>
+        </p:nvPicPr>
+        <p:blipFill>
+          <a:blip r:embed="rId2"/>
+          <a:stretch>
+            <a:fillRect/>
+          </a:stretch>
+        </p:blipFill>
+        <p:spPr>
+          <a:xfrm>
+            <a:off x="6436360" y="3938270"/>
+            <a:ext cx="754380" cy="668655"/>
+          </a:xfrm>
+          <a:prstGeom prst="rect">
+            <a:avLst/>
+          </a:prstGeom>
+        </p:spPr>
+      </p:pic>
+      <p:pic>
+        <p:nvPicPr>
+          <p:cNvPr id="25" name="图片 24"/>
+          <p:cNvPicPr>
+            <a:picLocks noChangeAspect="1"/>
+          </p:cNvPicPr>
+          <p:nvPr/>
+        </p:nvPicPr>
+        <p:blipFill>
+          <a:blip r:embed="rId3"/>
+          <a:stretch>
+            <a:fillRect/>
+          </a:stretch>
+        </p:blipFill>
+        <p:spPr>
+          <a:xfrm>
+            <a:off x="6428740" y="4770755"/>
+            <a:ext cx="762000" cy="674370"/>
+          </a:xfrm>
+          <a:prstGeom prst="rect">
+            <a:avLst/>
+          </a:prstGeom>
+        </p:spPr>
+      </p:pic>
+      <p:pic>
+        <p:nvPicPr>
+          <p:cNvPr id="26" name="图片 25"/>
+          <p:cNvPicPr>
+            <a:picLocks noChangeAspect="1"/>
+          </p:cNvPicPr>
+          <p:nvPr/>
+        </p:nvPicPr>
+        <p:blipFill>
+          <a:blip r:embed="rId4"/>
+          <a:stretch>
+            <a:fillRect/>
+          </a:stretch>
+        </p:blipFill>
+        <p:spPr>
+          <a:xfrm>
+            <a:off x="7238365" y="4314190"/>
+            <a:ext cx="716915" cy="791210"/>
+          </a:xfrm>
+          <a:prstGeom prst="rect">
+            <a:avLst/>
+          </a:prstGeom>
+        </p:spPr>
+      </p:pic>
+      <p:sp>
+        <p:nvSpPr>
+          <p:cNvPr id="29" name="右箭头 28"/>
+          <p:cNvSpPr/>
+          <p:nvPr/>
+        </p:nvSpPr>
+        <p:spPr>
+          <a:xfrm>
+            <a:off x="1593215" y="3676650"/>
+            <a:ext cx="677545" cy="408305"/>
+          </a:xfrm>
+          <a:prstGeom prst="rightArrow">
+            <a:avLst/>
+          </a:prstGeom>
+        </p:spPr>
+        <p:style>
+          <a:lnRef idx="2">
+            <a:schemeClr val="accent1">
+              <a:shade val="50000"/>
+            </a:schemeClr>
+          </a:lnRef>
+          <a:fillRef idx="1">
+            <a:schemeClr val="accent1"/>
+          </a:fillRef>
+          <a:effectRef idx="0">
+            <a:schemeClr val="accent1"/>
+          </a:effectRef>
+          <a:fontRef idx="minor">
+            <a:schemeClr val="lt1"/>
+          </a:fontRef>
+        </p:style>
+        <p:txBody>
+          <a:bodyPr rtlCol="0" anchor="ctr"/>
+          <a:p>
+            <a:pPr algn="ctr"/>
+            <a:endParaRPr lang="zh-CN" altLang="en-US"/>
+          </a:p>
+        </p:txBody>
+      </p:sp>
+      <p:sp>
+        <p:nvSpPr>
+          <p:cNvPr id="30" name="等于号 29"/>
+          <p:cNvSpPr/>
+          <p:nvPr/>
+        </p:nvSpPr>
+        <p:spPr>
+          <a:xfrm>
+            <a:off x="5163820" y="2467610"/>
+            <a:ext cx="826135" cy="487680"/>
+          </a:xfrm>
+          <a:prstGeom prst="mathEqual">
+            <a:avLst/>
+          </a:prstGeom>
+        </p:spPr>
+        <p:style>
+          <a:lnRef idx="2">
+            <a:schemeClr val="accent1">
+              <a:shade val="50000"/>
+            </a:schemeClr>
+          </a:lnRef>
+          <a:fillRef idx="1">
+            <a:schemeClr val="accent1"/>
+          </a:fillRef>
+          <a:effectRef idx="0">
+            <a:schemeClr val="accent1"/>
+          </a:effectRef>
+          <a:fontRef idx="minor">
+            <a:schemeClr val="lt1"/>
+          </a:fontRef>
+        </p:style>
+        <p:txBody>
+          <a:bodyPr rtlCol="0" anchor="ctr"/>
+          <a:p>
+            <a:pPr algn="ctr"/>
+            <a:endParaRPr lang="zh-CN" altLang="en-US">
+              <a:solidFill>
+                <a:schemeClr val="tx1"/>
+              </a:solidFill>
+            </a:endParaRPr>
+          </a:p>
+        </p:txBody>
+      </p:sp>
+      <p:sp>
+        <p:nvSpPr>
+          <p:cNvPr id="31" name="等于号 30"/>
+          <p:cNvSpPr/>
+          <p:nvPr/>
+        </p:nvSpPr>
+        <p:spPr>
+          <a:xfrm>
+            <a:off x="5179695" y="4034790"/>
+            <a:ext cx="826135" cy="487680"/>
+          </a:xfrm>
+          <a:prstGeom prst="mathEqual">
+            <a:avLst/>
+          </a:prstGeom>
+        </p:spPr>
+        <p:style>
+          <a:lnRef idx="2">
+            <a:schemeClr val="accent1">
+              <a:shade val="50000"/>
+            </a:schemeClr>
+          </a:lnRef>
+          <a:fillRef idx="1">
+            <a:schemeClr val="accent1"/>
+          </a:fillRef>
+          <a:effectRef idx="0">
+            <a:schemeClr val="accent1"/>
+          </a:effectRef>
+          <a:fontRef idx="minor">
+            <a:schemeClr val="lt1"/>
+          </a:fontRef>
+        </p:style>
+        <p:txBody>
+          <a:bodyPr rtlCol="0" anchor="ctr"/>
+          <a:p>
+            <a:pPr algn="ctr"/>
+            <a:endParaRPr lang="zh-CN" altLang="en-US">
+              <a:solidFill>
+                <a:schemeClr val="tx1"/>
+              </a:solidFill>
+            </a:endParaRPr>
+          </a:p>
+        </p:txBody>
+      </p:sp>
+      <p:sp>
+        <p:nvSpPr>
+          <p:cNvPr id="32" name="右箭头 31"/>
+          <p:cNvSpPr/>
+          <p:nvPr/>
+        </p:nvSpPr>
+        <p:spPr>
+          <a:xfrm>
+            <a:off x="8779510" y="2141220"/>
+            <a:ext cx="677545" cy="408305"/>
+          </a:xfrm>
+          <a:prstGeom prst="rightArrow">
+            <a:avLst/>
+          </a:prstGeom>
+        </p:spPr>
+        <p:style>
+          <a:lnRef idx="2">
+            <a:schemeClr val="accent1">
+              <a:shade val="50000"/>
+            </a:schemeClr>
+          </a:lnRef>
+          <a:fillRef idx="1">
+            <a:schemeClr val="accent1"/>
+          </a:fillRef>
+          <a:effectRef idx="0">
+            <a:schemeClr val="accent1"/>
+          </a:effectRef>
+          <a:fontRef idx="minor">
+            <a:schemeClr val="lt1"/>
+          </a:fontRef>
+        </p:style>
+        <p:txBody>
+          <a:bodyPr rtlCol="0" anchor="ctr"/>
+          <a:p>
+            <a:pPr algn="ctr"/>
+            <a:endParaRPr lang="zh-CN" altLang="en-US"/>
+          </a:p>
+        </p:txBody>
+      </p:sp>
+      <p:sp>
+        <p:nvSpPr>
+          <p:cNvPr id="34" name="右箭头 33"/>
+          <p:cNvSpPr/>
+          <p:nvPr/>
+        </p:nvSpPr>
+        <p:spPr>
+          <a:xfrm>
+            <a:off x="8799830" y="4154805"/>
+            <a:ext cx="677545" cy="408305"/>
+          </a:xfrm>
+          <a:prstGeom prst="rightArrow">
+            <a:avLst/>
+          </a:prstGeom>
+        </p:spPr>
+        <p:style>
+          <a:lnRef idx="2">
+            <a:schemeClr val="accent1">
+              <a:shade val="50000"/>
+            </a:schemeClr>
+          </a:lnRef>
+          <a:fillRef idx="1">
+            <a:schemeClr val="accent1"/>
+          </a:fillRef>
+          <a:effectRef idx="0">
+            <a:schemeClr val="accent1"/>
+          </a:effectRef>
+          <a:fontRef idx="minor">
+            <a:schemeClr val="lt1"/>
+          </a:fontRef>
+        </p:style>
+        <p:txBody>
+          <a:bodyPr rtlCol="0" anchor="ctr"/>
+          <a:p>
+            <a:pPr algn="ctr"/>
+            <a:endParaRPr lang="zh-CN" altLang="en-US"/>
+          </a:p>
+        </p:txBody>
+      </p:sp>
+      <p:pic>
+        <p:nvPicPr>
+          <p:cNvPr id="35" name="图片 34"/>
+          <p:cNvPicPr>
+            <a:picLocks noChangeAspect="1"/>
+          </p:cNvPicPr>
+          <p:nvPr/>
+        </p:nvPicPr>
+        <p:blipFill>
+          <a:blip r:embed="rId3"/>
+          <a:stretch>
+            <a:fillRect/>
+          </a:stretch>
+        </p:blipFill>
+        <p:spPr>
+          <a:xfrm>
+            <a:off x="9897110" y="4770755"/>
+            <a:ext cx="762000" cy="674370"/>
+          </a:xfrm>
+          <a:prstGeom prst="rect">
+            <a:avLst/>
+          </a:prstGeom>
+        </p:spPr>
+      </p:pic>
+      <p:pic>
+        <p:nvPicPr>
+          <p:cNvPr id="36" name="图片 35"/>
+          <p:cNvPicPr>
+            <a:picLocks noChangeAspect="1"/>
+          </p:cNvPicPr>
+          <p:nvPr/>
+        </p:nvPicPr>
+        <p:blipFill>
+          <a:blip r:embed="rId4"/>
+          <a:stretch>
+            <a:fillRect/>
+          </a:stretch>
+        </p:blipFill>
+        <p:spPr>
+          <a:xfrm>
+            <a:off x="9942195" y="3731260"/>
+            <a:ext cx="716915" cy="791210"/>
+          </a:xfrm>
+          <a:prstGeom prst="rect">
+            <a:avLst/>
+          </a:prstGeom>
+        </p:spPr>
+      </p:pic>
+      <p:sp>
+        <p:nvSpPr>
+          <p:cNvPr id="89" name="文本框 88"/>
           <p:cNvSpPr txBox="1"/>
           <p:nvPr/>
         </p:nvSpPr>
         <p:spPr>
           <a:xfrm>
-            <a:off x="257175" y="873760"/>
-            <a:ext cx="11794490" cy="3046095"/>
+            <a:off x="2882900" y="1920875"/>
+            <a:ext cx="1751965" cy="368300"/>
           </a:xfrm>
           <a:prstGeom prst="rect">
             <a:avLst/>
@@ -6395,191 +7138,371 @@
           </a:bodyPr>
           <a:p>
             <a:r>
-              <a:rPr lang="zh-CN" altLang="en-US" sz="1600">
-                <a:latin typeface="宋体" panose="02010600030101010101" pitchFamily="2" charset="-122"/>
-                <a:ea typeface="宋体" panose="02010600030101010101" pitchFamily="2" charset="-122"/>
-                <a:cs typeface="宋体" panose="02010600030101010101" pitchFamily="2" charset="-122"/>
-              </a:rPr>
-              <a:t>有界泛型（</a:t>
-            </a:r>
-            <a:r>
-              <a:rPr lang="zh-CN" altLang="en-US" sz="1600">
-                <a:latin typeface="宋体" panose="02010600030101010101" pitchFamily="2" charset="-122"/>
-                <a:ea typeface="宋体" panose="02010600030101010101" pitchFamily="2" charset="-122"/>
-                <a:cs typeface="宋体" panose="02010600030101010101" pitchFamily="2" charset="-122"/>
-                <a:sym typeface="+mn-ea"/>
-              </a:rPr>
-              <a:t>泛型边界</a:t>
-            </a:r>
-            <a:r>
-              <a:rPr lang="zh-CN" altLang="en-US" sz="1600">
-                <a:latin typeface="宋体" panose="02010600030101010101" pitchFamily="2" charset="-122"/>
-                <a:ea typeface="宋体" panose="02010600030101010101" pitchFamily="2" charset="-122"/>
-                <a:cs typeface="宋体" panose="02010600030101010101" pitchFamily="2" charset="-122"/>
-              </a:rPr>
-              <a:t>）</a:t>
-            </a:r>
-            <a:r>
-              <a:rPr lang="zh-CN" altLang="en-US" sz="1600">
-                <a:latin typeface="宋体" panose="02010600030101010101" pitchFamily="2" charset="-122"/>
-                <a:ea typeface="宋体" panose="02010600030101010101" pitchFamily="2" charset="-122"/>
-                <a:cs typeface="宋体" panose="02010600030101010101" pitchFamily="2" charset="-122"/>
-              </a:rPr>
-              <a:t>：</a:t>
-            </a:r>
-            <a:endParaRPr lang="zh-CN" altLang="en-US" sz="1600">
-              <a:latin typeface="宋体" panose="02010600030101010101" pitchFamily="2" charset="-122"/>
-              <a:ea typeface="宋体" panose="02010600030101010101" pitchFamily="2" charset="-122"/>
-              <a:cs typeface="宋体" panose="02010600030101010101" pitchFamily="2" charset="-122"/>
-            </a:endParaRPr>
-          </a:p>
-          <a:p>
-            <a:endParaRPr lang="zh-CN" altLang="en-US" sz="1600">
-              <a:latin typeface="宋体" panose="02010600030101010101" pitchFamily="2" charset="-122"/>
-              <a:ea typeface="宋体" panose="02010600030101010101" pitchFamily="2" charset="-122"/>
-              <a:cs typeface="宋体" panose="02010600030101010101" pitchFamily="2" charset="-122"/>
-            </a:endParaRPr>
-          </a:p>
-          <a:p>
-            <a:r>
-              <a:rPr lang="zh-CN" altLang="en-US" sz="1600">
-                <a:latin typeface="宋体" panose="02010600030101010101" pitchFamily="2" charset="-122"/>
-                <a:ea typeface="宋体" panose="02010600030101010101" pitchFamily="2" charset="-122"/>
-                <a:cs typeface="宋体" panose="02010600030101010101" pitchFamily="2" charset="-122"/>
-              </a:rPr>
-              <a:t>用</a:t>
-            </a:r>
-            <a:r>
-              <a:rPr lang="zh-CN" altLang="en-US" sz="1600">
+              <a:rPr lang="en-US" altLang="zh-CN" b="1">
+                <a:solidFill>
+                  <a:schemeClr val="accent1"/>
+                </a:solidFill>
+              </a:rPr>
+              <a:t>Plate&lt;Fruit&gt;</a:t>
+            </a:r>
+            <a:endParaRPr lang="en-US" altLang="zh-CN" b="1">
+              <a:solidFill>
+                <a:schemeClr val="accent1"/>
+              </a:solidFill>
+            </a:endParaRPr>
+          </a:p>
+        </p:txBody>
+      </p:sp>
+      <p:sp>
+        <p:nvSpPr>
+          <p:cNvPr id="90" name="文本框 89"/>
+          <p:cNvSpPr txBox="1"/>
+          <p:nvPr/>
+        </p:nvSpPr>
+        <p:spPr>
+          <a:xfrm>
+            <a:off x="6252210" y="5911850"/>
+            <a:ext cx="5165090" cy="368300"/>
+          </a:xfrm>
+          <a:prstGeom prst="rect">
+            <a:avLst/>
+          </a:prstGeom>
+          <a:noFill/>
+        </p:spPr>
+        <p:txBody>
+          <a:bodyPr wrap="square" rtlCol="0">
+            <a:spAutoFit/>
+          </a:bodyPr>
+          <a:p>
+            <a:r>
+              <a:rPr lang="en-US" altLang="zh-CN" b="1">
+                <a:solidFill>
+                  <a:schemeClr val="accent1"/>
+                </a:solidFill>
+              </a:rPr>
+              <a:t>Plate&lt;Fruit&gt; plate = new Plate&lt;Fruit&gt;()</a:t>
+            </a:r>
+            <a:endParaRPr lang="en-US" altLang="zh-CN" b="1">
+              <a:solidFill>
+                <a:schemeClr val="accent1"/>
+              </a:solidFill>
+            </a:endParaRPr>
+          </a:p>
+        </p:txBody>
+      </p:sp>
+      <p:sp>
+        <p:nvSpPr>
+          <p:cNvPr id="91" name="文本框 90"/>
+          <p:cNvSpPr txBox="1"/>
+          <p:nvPr/>
+        </p:nvSpPr>
+        <p:spPr>
+          <a:xfrm>
+            <a:off x="6252210" y="1054735"/>
+            <a:ext cx="5165090" cy="368300"/>
+          </a:xfrm>
+          <a:prstGeom prst="rect">
+            <a:avLst/>
+          </a:prstGeom>
+          <a:noFill/>
+        </p:spPr>
+        <p:txBody>
+          <a:bodyPr wrap="square" rtlCol="0">
+            <a:spAutoFit/>
+          </a:bodyPr>
+          <a:p>
+            <a:r>
+              <a:rPr lang="en-US" altLang="zh-CN" b="1">
                 <a:solidFill>
                   <a:srgbClr val="FF0000"/>
                 </a:solidFill>
-                <a:latin typeface="宋体" panose="02010600030101010101" pitchFamily="2" charset="-122"/>
-                <a:ea typeface="宋体" panose="02010600030101010101" pitchFamily="2" charset="-122"/>
-                <a:cs typeface="宋体" panose="02010600030101010101" pitchFamily="2" charset="-122"/>
-              </a:rPr>
-              <a:t>&lt;? extends 父类型&gt;</a:t>
-            </a:r>
-            <a:r>
-              <a:rPr lang="zh-CN" altLang="en-US" sz="1600">
-                <a:latin typeface="宋体" panose="02010600030101010101" pitchFamily="2" charset="-122"/>
-                <a:ea typeface="宋体" panose="02010600030101010101" pitchFamily="2" charset="-122"/>
-                <a:cs typeface="宋体" panose="02010600030101010101" pitchFamily="2" charset="-122"/>
-              </a:rPr>
-              <a:t>标识上边界通配符，用于表示实例化时可以确定父类型的未知类型。</a:t>
-            </a:r>
-            <a:endParaRPr lang="zh-CN" altLang="en-US" sz="1600">
-              <a:latin typeface="宋体" panose="02010600030101010101" pitchFamily="2" charset="-122"/>
-              <a:ea typeface="宋体" panose="02010600030101010101" pitchFamily="2" charset="-122"/>
-              <a:cs typeface="宋体" panose="02010600030101010101" pitchFamily="2" charset="-122"/>
-            </a:endParaRPr>
-          </a:p>
-          <a:p>
-            <a:r>
-              <a:rPr lang="zh-CN" altLang="en-US" sz="1600">
-                <a:latin typeface="宋体" panose="02010600030101010101" pitchFamily="2" charset="-122"/>
-                <a:ea typeface="宋体" panose="02010600030101010101" pitchFamily="2" charset="-122"/>
-                <a:cs typeface="宋体" panose="02010600030101010101" pitchFamily="2" charset="-122"/>
-              </a:rPr>
-              <a:t>用</a:t>
-            </a:r>
-            <a:r>
-              <a:rPr lang="zh-CN" altLang="en-US" sz="1600">
-                <a:solidFill>
-                  <a:srgbClr val="FF0000"/>
-                </a:solidFill>
-                <a:latin typeface="宋体" panose="02010600030101010101" pitchFamily="2" charset="-122"/>
-                <a:ea typeface="宋体" panose="02010600030101010101" pitchFamily="2" charset="-122"/>
-                <a:cs typeface="宋体" panose="02010600030101010101" pitchFamily="2" charset="-122"/>
-              </a:rPr>
-              <a:t>&lt;? super 子类型&gt;</a:t>
-            </a:r>
-            <a:r>
-              <a:rPr lang="zh-CN" altLang="en-US" sz="1600">
-                <a:latin typeface="宋体" panose="02010600030101010101" pitchFamily="2" charset="-122"/>
-                <a:ea typeface="宋体" panose="02010600030101010101" pitchFamily="2" charset="-122"/>
-                <a:cs typeface="宋体" panose="02010600030101010101" pitchFamily="2" charset="-122"/>
-              </a:rPr>
-              <a:t>标识下边界通配符，用于表示实例化时可以确定子类型的未知类型。</a:t>
-            </a:r>
-            <a:endParaRPr lang="zh-CN" altLang="en-US" sz="1600">
-              <a:latin typeface="宋体" panose="02010600030101010101" pitchFamily="2" charset="-122"/>
-              <a:ea typeface="宋体" panose="02010600030101010101" pitchFamily="2" charset="-122"/>
-              <a:cs typeface="宋体" panose="02010600030101010101" pitchFamily="2" charset="-122"/>
-            </a:endParaRPr>
-          </a:p>
-          <a:p>
-            <a:endParaRPr lang="zh-CN" altLang="en-US" sz="1600">
-              <a:latin typeface="宋体" panose="02010600030101010101" pitchFamily="2" charset="-122"/>
-              <a:ea typeface="宋体" panose="02010600030101010101" pitchFamily="2" charset="-122"/>
-              <a:cs typeface="宋体" panose="02010600030101010101" pitchFamily="2" charset="-122"/>
-            </a:endParaRPr>
-          </a:p>
-          <a:p>
-            <a:r>
-              <a:rPr lang="zh-CN" altLang="en-US" sz="1600">
-                <a:latin typeface="宋体" panose="02010600030101010101" pitchFamily="2" charset="-122"/>
-                <a:ea typeface="宋体" panose="02010600030101010101" pitchFamily="2" charset="-122"/>
-                <a:cs typeface="宋体" panose="02010600030101010101" pitchFamily="2" charset="-122"/>
-              </a:rPr>
-              <a:t>上边界类型通配符（&lt;? extends 父类型&gt;）：因为可以确定父类型，所以可以以父类型去获取数据（向上转型）。但是不能写入数据。</a:t>
-            </a:r>
-            <a:endParaRPr lang="zh-CN" altLang="en-US" sz="1600">
-              <a:latin typeface="宋体" panose="02010600030101010101" pitchFamily="2" charset="-122"/>
-              <a:ea typeface="宋体" panose="02010600030101010101" pitchFamily="2" charset="-122"/>
-              <a:cs typeface="宋体" panose="02010600030101010101" pitchFamily="2" charset="-122"/>
-            </a:endParaRPr>
-          </a:p>
-          <a:p>
-            <a:r>
-              <a:rPr lang="zh-CN" altLang="en-US" sz="1600">
-                <a:latin typeface="宋体" panose="02010600030101010101" pitchFamily="2" charset="-122"/>
-                <a:ea typeface="宋体" panose="02010600030101010101" pitchFamily="2" charset="-122"/>
-                <a:cs typeface="宋体" panose="02010600030101010101" pitchFamily="2" charset="-122"/>
-              </a:rPr>
-              <a:t>下边界类型通配符（&lt;? super 子类型&gt;）：因为可以确定最小类型，所以可以以最小类型去写入数据（向上转型）。而不能获取数据。</a:t>
-            </a:r>
-            <a:endParaRPr lang="zh-CN" altLang="en-US" sz="1600">
-              <a:latin typeface="宋体" panose="02010600030101010101" pitchFamily="2" charset="-122"/>
-              <a:ea typeface="宋体" panose="02010600030101010101" pitchFamily="2" charset="-122"/>
-              <a:cs typeface="宋体" panose="02010600030101010101" pitchFamily="2" charset="-122"/>
-            </a:endParaRPr>
-          </a:p>
-          <a:p>
-            <a:r>
-              <a:rPr lang="zh-CN" altLang="en-US" sz="1600">
-                <a:latin typeface="宋体" panose="02010600030101010101" pitchFamily="2" charset="-122"/>
-                <a:ea typeface="宋体" panose="02010600030101010101" pitchFamily="2" charset="-122"/>
-                <a:cs typeface="宋体" panose="02010600030101010101" pitchFamily="2" charset="-122"/>
-              </a:rPr>
-              <a:t>无边界类型通配符（&lt;?&gt;） 等同于 上边界通配符&lt;? extends Object&gt;，所以可以以Object类去获取数据，但意义不大。</a:t>
-            </a:r>
-            <a:endParaRPr lang="zh-CN" altLang="en-US" sz="1600">
-              <a:latin typeface="宋体" panose="02010600030101010101" pitchFamily="2" charset="-122"/>
-              <a:ea typeface="宋体" panose="02010600030101010101" pitchFamily="2" charset="-122"/>
-              <a:cs typeface="宋体" panose="02010600030101010101" pitchFamily="2" charset="-122"/>
-            </a:endParaRPr>
-          </a:p>
-          <a:p>
-            <a:r>
-              <a:rPr lang="zh-CN" altLang="en-US" sz="1600">
-                <a:latin typeface="宋体" panose="02010600030101010101" pitchFamily="2" charset="-122"/>
-                <a:ea typeface="宋体" panose="02010600030101010101" pitchFamily="2" charset="-122"/>
-                <a:cs typeface="宋体" panose="02010600030101010101" pitchFamily="2" charset="-122"/>
-              </a:rPr>
-              <a:t>下边界类型通配符（&lt;? super 子类型&gt;）下边界通配符&lt;? super 子类型&gt; + 上边界通配符&lt;? extends Object&gt;，所以可以以Object类去获取数据，但意义不大。</a:t>
-            </a:r>
-            <a:endParaRPr lang="zh-CN" altLang="en-US" sz="1600">
-              <a:latin typeface="宋体" panose="02010600030101010101" pitchFamily="2" charset="-122"/>
-              <a:ea typeface="宋体" panose="02010600030101010101" pitchFamily="2" charset="-122"/>
-              <a:cs typeface="宋体" panose="02010600030101010101" pitchFamily="2" charset="-122"/>
-            </a:endParaRPr>
+              </a:rPr>
+              <a:t>Plate&lt;Fruit&gt; plate = new Plate&lt;Apple&gt;()</a:t>
+            </a:r>
+            <a:endParaRPr lang="en-US" altLang="zh-CN" b="1">
+              <a:solidFill>
+                <a:srgbClr val="FF0000"/>
+              </a:solidFill>
+            </a:endParaRPr>
+          </a:p>
+        </p:txBody>
+      </p:sp>
+      <p:cxnSp>
+        <p:nvCxnSpPr>
+          <p:cNvPr id="92" name="直接连接符 91"/>
+          <p:cNvCxnSpPr/>
+          <p:nvPr/>
+        </p:nvCxnSpPr>
+        <p:spPr>
+          <a:xfrm>
+            <a:off x="2357755" y="3612515"/>
+            <a:ext cx="9331960" cy="29845"/>
+          </a:xfrm>
+          <a:prstGeom prst="line">
+            <a:avLst/>
+          </a:prstGeom>
+          <a:ln w="38100">
+            <a:solidFill>
+              <a:srgbClr val="FFC000"/>
+            </a:solidFill>
+            <a:prstDash val="dash"/>
+          </a:ln>
+        </p:spPr>
+        <p:style>
+          <a:lnRef idx="1">
+            <a:schemeClr val="accent1"/>
+          </a:lnRef>
+          <a:fillRef idx="0">
+            <a:schemeClr val="accent1"/>
+          </a:fillRef>
+          <a:effectRef idx="0">
+            <a:schemeClr val="accent1"/>
+          </a:effectRef>
+          <a:fontRef idx="minor">
+            <a:schemeClr val="tx1"/>
+          </a:fontRef>
+        </p:style>
+      </p:cxnSp>
+      <p:sp>
+        <p:nvSpPr>
+          <p:cNvPr id="93" name="右箭头 92"/>
+          <p:cNvSpPr/>
+          <p:nvPr/>
+        </p:nvSpPr>
+        <p:spPr>
+          <a:xfrm rot="10800000">
+            <a:off x="8779510" y="4951730"/>
+            <a:ext cx="677545" cy="408305"/>
+          </a:xfrm>
+          <a:prstGeom prst="rightArrow">
+            <a:avLst/>
+          </a:prstGeom>
+        </p:spPr>
+        <p:style>
+          <a:lnRef idx="2">
+            <a:schemeClr val="accent1">
+              <a:shade val="50000"/>
+            </a:schemeClr>
+          </a:lnRef>
+          <a:fillRef idx="1">
+            <a:schemeClr val="accent1"/>
+          </a:fillRef>
+          <a:effectRef idx="0">
+            <a:schemeClr val="accent1"/>
+          </a:effectRef>
+          <a:fontRef idx="minor">
+            <a:schemeClr val="lt1"/>
+          </a:fontRef>
+        </p:style>
+        <p:txBody>
+          <a:bodyPr rtlCol="0" anchor="ctr"/>
+          <a:p>
+            <a:pPr algn="ctr"/>
+            <a:endParaRPr lang="zh-CN" altLang="en-US"/>
+          </a:p>
+        </p:txBody>
+      </p:sp>
+      <p:sp>
+        <p:nvSpPr>
+          <p:cNvPr id="94" name="右箭头 93"/>
+          <p:cNvSpPr/>
+          <p:nvPr/>
+        </p:nvSpPr>
+        <p:spPr>
+          <a:xfrm rot="10800000">
+            <a:off x="8779510" y="2781300"/>
+            <a:ext cx="677545" cy="408305"/>
+          </a:xfrm>
+          <a:prstGeom prst="rightArrow">
+            <a:avLst/>
+          </a:prstGeom>
+        </p:spPr>
+        <p:style>
+          <a:lnRef idx="2">
+            <a:schemeClr val="accent1">
+              <a:shade val="50000"/>
+            </a:schemeClr>
+          </a:lnRef>
+          <a:fillRef idx="1">
+            <a:schemeClr val="accent1"/>
+          </a:fillRef>
+          <a:effectRef idx="0">
+            <a:schemeClr val="accent1"/>
+          </a:effectRef>
+          <a:fontRef idx="minor">
+            <a:schemeClr val="lt1"/>
+          </a:fontRef>
+        </p:style>
+        <p:txBody>
+          <a:bodyPr rtlCol="0" anchor="ctr"/>
+          <a:p>
+            <a:pPr algn="ctr"/>
+            <a:endParaRPr lang="zh-CN" altLang="en-US"/>
+          </a:p>
+        </p:txBody>
+      </p:sp>
+      <p:pic>
+        <p:nvPicPr>
+          <p:cNvPr id="95" name="图片 94"/>
+          <p:cNvPicPr>
+            <a:picLocks noChangeAspect="1"/>
+          </p:cNvPicPr>
+          <p:nvPr/>
+        </p:nvPicPr>
+        <p:blipFill>
+          <a:blip r:embed="rId3"/>
+          <a:stretch>
+            <a:fillRect/>
+          </a:stretch>
+        </p:blipFill>
+        <p:spPr>
+          <a:xfrm>
+            <a:off x="10852785" y="2280920"/>
+            <a:ext cx="762000" cy="674370"/>
+          </a:xfrm>
+          <a:prstGeom prst="rect">
+            <a:avLst/>
+          </a:prstGeom>
+        </p:spPr>
+      </p:pic>
+      <p:pic>
+        <p:nvPicPr>
+          <p:cNvPr id="96" name="图片 95"/>
+          <p:cNvPicPr>
+            <a:picLocks noChangeAspect="1"/>
+          </p:cNvPicPr>
+          <p:nvPr/>
+        </p:nvPicPr>
+        <p:blipFill>
+          <a:blip r:embed="rId2"/>
+          <a:stretch>
+            <a:fillRect/>
+          </a:stretch>
+        </p:blipFill>
+        <p:spPr>
+          <a:xfrm>
+            <a:off x="9834245" y="2712720"/>
+            <a:ext cx="754380" cy="668655"/>
+          </a:xfrm>
+          <a:prstGeom prst="rect">
+            <a:avLst/>
+          </a:prstGeom>
+        </p:spPr>
+      </p:pic>
+      <p:pic>
+        <p:nvPicPr>
+          <p:cNvPr id="97" name="图片 96"/>
+          <p:cNvPicPr>
+            <a:picLocks noChangeAspect="1"/>
+          </p:cNvPicPr>
+          <p:nvPr/>
+        </p:nvPicPr>
+        <p:blipFill>
+          <a:blip r:embed="rId2"/>
+          <a:stretch>
+            <a:fillRect/>
+          </a:stretch>
+        </p:blipFill>
+        <p:spPr>
+          <a:xfrm>
+            <a:off x="9774555" y="1920875"/>
+            <a:ext cx="754380" cy="668655"/>
+          </a:xfrm>
+          <a:prstGeom prst="rect">
+            <a:avLst/>
+          </a:prstGeom>
+        </p:spPr>
+      </p:pic>
+      <p:pic>
+        <p:nvPicPr>
+          <p:cNvPr id="98" name="图片 97"/>
+          <p:cNvPicPr>
+            <a:picLocks noChangeAspect="1"/>
+          </p:cNvPicPr>
+          <p:nvPr/>
+        </p:nvPicPr>
+        <p:blipFill>
+          <a:blip r:embed="rId2"/>
+          <a:stretch>
+            <a:fillRect/>
+          </a:stretch>
+        </p:blipFill>
+        <p:spPr>
+          <a:xfrm>
+            <a:off x="7238365" y="2112645"/>
+            <a:ext cx="754380" cy="668655"/>
+          </a:xfrm>
+          <a:prstGeom prst="rect">
+            <a:avLst/>
+          </a:prstGeom>
+        </p:spPr>
+      </p:pic>
+      <p:pic>
+        <p:nvPicPr>
+          <p:cNvPr id="99" name="图片 98"/>
+          <p:cNvPicPr>
+            <a:picLocks noChangeAspect="1"/>
+          </p:cNvPicPr>
+          <p:nvPr/>
+        </p:nvPicPr>
+        <p:blipFill>
+          <a:blip r:embed="rId2"/>
+          <a:stretch>
+            <a:fillRect/>
+          </a:stretch>
+        </p:blipFill>
+        <p:spPr>
+          <a:xfrm>
+            <a:off x="10775950" y="4378960"/>
+            <a:ext cx="754380" cy="668655"/>
+          </a:xfrm>
+          <a:prstGeom prst="rect">
+            <a:avLst/>
+          </a:prstGeom>
+        </p:spPr>
+      </p:pic>
+      <p:sp>
+        <p:nvSpPr>
+          <p:cNvPr id="100" name="乘号 99"/>
+          <p:cNvSpPr/>
+          <p:nvPr/>
+        </p:nvSpPr>
+        <p:spPr>
+          <a:xfrm>
+            <a:off x="11395075" y="2696845"/>
+            <a:ext cx="408305" cy="448310"/>
+          </a:xfrm>
+          <a:prstGeom prst="mathMultiply">
+            <a:avLst/>
+          </a:prstGeom>
+        </p:spPr>
+        <p:style>
+          <a:lnRef idx="2">
+            <a:schemeClr val="accent1">
+              <a:shade val="50000"/>
+            </a:schemeClr>
+          </a:lnRef>
+          <a:fillRef idx="1">
+            <a:schemeClr val="accent1"/>
+          </a:fillRef>
+          <a:effectRef idx="0">
+            <a:schemeClr val="accent1"/>
+          </a:effectRef>
+          <a:fontRef idx="minor">
+            <a:schemeClr val="lt1"/>
+          </a:fontRef>
+        </p:style>
+        <p:txBody>
+          <a:bodyPr rtlCol="0" anchor="ctr"/>
+          <a:p>
+            <a:pPr algn="ctr"/>
+            <a:endParaRPr lang="zh-CN" altLang="en-US"/>
           </a:p>
         </p:txBody>
       </p:sp>
     </p:spTree>
     <p:custDataLst>
-      <p:tags r:id="rId2"/>
+      <p:tags r:id="rId5"/>
     </p:custDataLst>
   </p:cSld>
   <p:clrMapOvr>
@@ -6611,173 +7534,57 @@
       <p:grpSpPr/>
       <p:sp>
         <p:nvSpPr>
-          <p:cNvPr id="2" name="文本框 1"/>
-          <p:cNvSpPr txBox="1"/>
+          <p:cNvPr id="7" name="椭圆 6"/>
+          <p:cNvSpPr/>
           <p:nvPr/>
         </p:nvSpPr>
         <p:spPr>
           <a:xfrm>
-            <a:off x="193040" y="748030"/>
-            <a:ext cx="11893550" cy="2799715"/>
-          </a:xfrm>
-          <a:prstGeom prst="rect">
+            <a:off x="6053455" y="1449705"/>
+            <a:ext cx="2149475" cy="2030730"/>
+          </a:xfrm>
+          <a:prstGeom prst="ellipse">
             <a:avLst/>
           </a:prstGeom>
           <a:noFill/>
+          <a:ln w="38100"/>
+          <a:extLst>
+            <a:ext uri="{909E8E84-426E-40DD-AFC4-6F175D3DCCD1}">
+              <a14:hiddenFill xmlns:a14="http://schemas.microsoft.com/office/drawing/2010/main">
+                <a:solidFill>
+                  <a:schemeClr val="accent1"/>
+                </a:solidFill>
+              </a14:hiddenFill>
+            </a:ext>
+          </a:extLst>
         </p:spPr>
+        <p:style>
+          <a:lnRef idx="2">
+            <a:schemeClr val="accent1">
+              <a:shade val="50000"/>
+            </a:schemeClr>
+          </a:lnRef>
+          <a:fillRef idx="1">
+            <a:schemeClr val="accent1"/>
+          </a:fillRef>
+          <a:effectRef idx="0">
+            <a:schemeClr val="accent1"/>
+          </a:effectRef>
+          <a:fontRef idx="minor">
+            <a:schemeClr val="lt1"/>
+          </a:fontRef>
+        </p:style>
         <p:txBody>
-          <a:bodyPr wrap="square" rtlCol="0">
-            <a:spAutoFit/>
-          </a:bodyPr>
-          <a:p>
-            <a:r>
-              <a:rPr lang="zh-CN" altLang="en-US" sz="1600">
-                <a:latin typeface="宋体" panose="02010600030101010101" pitchFamily="2" charset="-122"/>
-                <a:ea typeface="宋体" panose="02010600030101010101" pitchFamily="2" charset="-122"/>
-                <a:cs typeface="宋体" panose="02010600030101010101" pitchFamily="2" charset="-122"/>
-              </a:rPr>
-              <a:t>上界&lt;? extends Number&gt;规定：只能取(get)，不能添加(add)。</a:t>
-            </a:r>
-            <a:r>
-              <a:rPr lang="zh-CN" altLang="en-US" sz="1600">
-                <a:solidFill>
-                  <a:srgbClr val="FF0000"/>
-                </a:solidFill>
-                <a:latin typeface="宋体" panose="02010600030101010101" pitchFamily="2" charset="-122"/>
-                <a:ea typeface="宋体" panose="02010600030101010101" pitchFamily="2" charset="-122"/>
-                <a:cs typeface="宋体" panose="02010600030101010101" pitchFamily="2" charset="-122"/>
-              </a:rPr>
-              <a:t>添加会报错：The method add(capture#1-of ?) in the type List&lt;capture#1-of ?&gt; is not applicable for the arguments (Object)。取的时候编译器会帮忙强转</a:t>
-            </a:r>
-            <a:endParaRPr lang="zh-CN" altLang="en-US" sz="1600">
-              <a:latin typeface="宋体" panose="02010600030101010101" pitchFamily="2" charset="-122"/>
-              <a:ea typeface="宋体" panose="02010600030101010101" pitchFamily="2" charset="-122"/>
-              <a:cs typeface="宋体" panose="02010600030101010101" pitchFamily="2" charset="-122"/>
-            </a:endParaRPr>
-          </a:p>
-          <a:p>
-            <a:r>
-              <a:rPr lang="zh-CN" altLang="en-US" sz="1600">
-                <a:latin typeface="宋体" panose="02010600030101010101" pitchFamily="2" charset="-122"/>
-                <a:ea typeface="宋体" panose="02010600030101010101" pitchFamily="2" charset="-122"/>
-                <a:cs typeface="宋体" panose="02010600030101010101" pitchFamily="2" charset="-122"/>
-              </a:rPr>
-              <a:t>下界&lt;? super Number&gt;规定：不能取(get)，只能添加(add)。</a:t>
-            </a:r>
-            <a:endParaRPr lang="zh-CN" altLang="en-US" sz="1600">
-              <a:latin typeface="宋体" panose="02010600030101010101" pitchFamily="2" charset="-122"/>
-              <a:ea typeface="宋体" panose="02010600030101010101" pitchFamily="2" charset="-122"/>
-              <a:cs typeface="宋体" panose="02010600030101010101" pitchFamily="2" charset="-122"/>
-            </a:endParaRPr>
-          </a:p>
-          <a:p>
-            <a:r>
-              <a:rPr lang="zh-CN" altLang="en-US" sz="1600">
-                <a:latin typeface="宋体" panose="02010600030101010101" pitchFamily="2" charset="-122"/>
-                <a:ea typeface="宋体" panose="02010600030101010101" pitchFamily="2" charset="-122"/>
-                <a:cs typeface="宋体" panose="02010600030101010101" pitchFamily="2" charset="-122"/>
-              </a:rPr>
-              <a:t>现在试想一下你的例子，List&lt;? extends Number&gt; list = new ArrayList&lt;&gt;()</a:t>
-            </a:r>
-            <a:endParaRPr lang="zh-CN" altLang="en-US" sz="1600">
-              <a:latin typeface="宋体" panose="02010600030101010101" pitchFamily="2" charset="-122"/>
-              <a:ea typeface="宋体" panose="02010600030101010101" pitchFamily="2" charset="-122"/>
-              <a:cs typeface="宋体" panose="02010600030101010101" pitchFamily="2" charset="-122"/>
-            </a:endParaRPr>
-          </a:p>
-          <a:p>
-            <a:r>
-              <a:rPr lang="zh-CN" altLang="en-US" sz="1600">
-                <a:latin typeface="宋体" panose="02010600030101010101" pitchFamily="2" charset="-122"/>
-                <a:ea typeface="宋体" panose="02010600030101010101" pitchFamily="2" charset="-122"/>
-                <a:cs typeface="宋体" panose="02010600030101010101" pitchFamily="2" charset="-122"/>
-              </a:rPr>
-              <a:t>Java中是强类型的，就是说任何变量在具体使用时，必须明确类型。上述list在定义时，表述其中的每一项值都是Number本身或者是其子类，但是在add时（list.add( new Long(1) ) 看似没错），但编译器它却不知道这个list到底放的是啥类型，有可能是ArrayList&lt;Short&gt;,ArrayList&lt;Test&gt; 等，因为</a:t>
-            </a:r>
-            <a:r>
-              <a:rPr lang="zh-CN" altLang="en-US" sz="1600">
-                <a:solidFill>
-                  <a:srgbClr val="FF0000"/>
-                </a:solidFill>
-                <a:latin typeface="宋体" panose="02010600030101010101" pitchFamily="2" charset="-122"/>
-                <a:ea typeface="宋体" panose="02010600030101010101" pitchFamily="2" charset="-122"/>
-                <a:cs typeface="宋体" panose="02010600030101010101" pitchFamily="2" charset="-122"/>
-              </a:rPr>
-              <a:t>不确定所以就不允许</a:t>
-            </a:r>
-            <a:r>
-              <a:rPr lang="zh-CN" altLang="en-US" sz="1600">
-                <a:latin typeface="宋体" panose="02010600030101010101" pitchFamily="2" charset="-122"/>
-                <a:ea typeface="宋体" panose="02010600030101010101" pitchFamily="2" charset="-122"/>
-                <a:cs typeface="宋体" panose="02010600030101010101" pitchFamily="2" charset="-122"/>
-              </a:rPr>
-              <a:t>你add一个long或者short。</a:t>
-            </a:r>
-            <a:endParaRPr lang="zh-CN" altLang="en-US" sz="1600">
-              <a:latin typeface="宋体" panose="02010600030101010101" pitchFamily="2" charset="-122"/>
-              <a:ea typeface="宋体" panose="02010600030101010101" pitchFamily="2" charset="-122"/>
-              <a:cs typeface="宋体" panose="02010600030101010101" pitchFamily="2" charset="-122"/>
-            </a:endParaRPr>
-          </a:p>
-          <a:p>
-            <a:r>
-              <a:rPr lang="zh-CN" altLang="en-US" sz="1600">
-                <a:latin typeface="宋体" panose="02010600030101010101" pitchFamily="2" charset="-122"/>
-                <a:ea typeface="宋体" panose="02010600030101010101" pitchFamily="2" charset="-122"/>
-                <a:cs typeface="宋体" panose="02010600030101010101" pitchFamily="2" charset="-122"/>
-              </a:rPr>
-              <a:t>从这个list定义中，在获取值时，</a:t>
-            </a:r>
-            <a:r>
-              <a:rPr lang="zh-CN" altLang="en-US" sz="1600">
-                <a:solidFill>
-                  <a:srgbClr val="FF0000"/>
-                </a:solidFill>
-                <a:latin typeface="宋体" panose="02010600030101010101" pitchFamily="2" charset="-122"/>
-                <a:ea typeface="宋体" panose="02010600030101010101" pitchFamily="2" charset="-122"/>
-                <a:cs typeface="宋体" panose="02010600030101010101" pitchFamily="2" charset="-122"/>
-              </a:rPr>
-              <a:t>编译器知道的是里面放的是Number类型或者是其子类型值，因此Number n = (Number)list.get(0), Long l = (Long)list.get(0)可以编译通过。</a:t>
-            </a:r>
-            <a:endParaRPr lang="zh-CN" altLang="en-US" sz="1600">
-              <a:solidFill>
-                <a:srgbClr val="FF0000"/>
-              </a:solidFill>
-              <a:latin typeface="宋体" panose="02010600030101010101" pitchFamily="2" charset="-122"/>
-              <a:ea typeface="宋体" panose="02010600030101010101" pitchFamily="2" charset="-122"/>
-              <a:cs typeface="宋体" panose="02010600030101010101" pitchFamily="2" charset="-122"/>
-            </a:endParaRPr>
-          </a:p>
-          <a:p>
-            <a:endParaRPr lang="zh-CN" altLang="en-US" sz="1600">
-              <a:latin typeface="宋体" panose="02010600030101010101" pitchFamily="2" charset="-122"/>
-              <a:ea typeface="宋体" panose="02010600030101010101" pitchFamily="2" charset="-122"/>
-              <a:cs typeface="宋体" panose="02010600030101010101" pitchFamily="2" charset="-122"/>
-            </a:endParaRPr>
-          </a:p>
-          <a:p>
-            <a:r>
-              <a:rPr lang="zh-CN" altLang="en-US" sz="1600">
-                <a:latin typeface="宋体" panose="02010600030101010101" pitchFamily="2" charset="-122"/>
-                <a:ea typeface="宋体" panose="02010600030101010101" pitchFamily="2" charset="-122"/>
-                <a:cs typeface="宋体" panose="02010600030101010101" pitchFamily="2" charset="-122"/>
-              </a:rPr>
-              <a:t>&lt;&gt;模板的类型是编译时确定的而不是运行时，这代码必须运行时才能判定类型。Java泛型是编译器做的限制，运行时会泛型擦除。 </a:t>
-            </a:r>
-            <a:endParaRPr lang="zh-CN" altLang="en-US" sz="1600">
-              <a:solidFill>
-                <a:srgbClr val="FF0000"/>
-              </a:solidFill>
-              <a:latin typeface="宋体" panose="02010600030101010101" pitchFamily="2" charset="-122"/>
-              <a:ea typeface="宋体" panose="02010600030101010101" pitchFamily="2" charset="-122"/>
-              <a:cs typeface="宋体" panose="02010600030101010101" pitchFamily="2" charset="-122"/>
-            </a:endParaRPr>
+          <a:bodyPr rtlCol="0" anchor="ctr"/>
+          <a:p>
+            <a:pPr algn="ctr"/>
+            <a:endParaRPr lang="zh-CN" altLang="en-US"/>
           </a:p>
         </p:txBody>
       </p:sp>
       <p:pic>
         <p:nvPicPr>
-          <p:cNvPr id="4" name="图片 3"/>
+          <p:cNvPr id="8" name="图片 7"/>
           <p:cNvPicPr>
             <a:picLocks noChangeAspect="1"/>
           </p:cNvPicPr>
@@ -6791,8 +7598,8 @@
         </p:blipFill>
         <p:spPr>
           <a:xfrm>
-            <a:off x="5262880" y="3843020"/>
-            <a:ext cx="6929120" cy="2635250"/>
+            <a:off x="6436360" y="1576070"/>
+            <a:ext cx="754380" cy="668655"/>
           </a:xfrm>
           <a:prstGeom prst="rect">
             <a:avLst/>
@@ -6801,7 +7608,131 @@
       </p:pic>
       <p:pic>
         <p:nvPicPr>
-          <p:cNvPr id="5" name="图片 4"/>
+          <p:cNvPr id="9" name="图片 8"/>
+          <p:cNvPicPr>
+            <a:picLocks noChangeAspect="1"/>
+          </p:cNvPicPr>
+          <p:nvPr/>
+        </p:nvPicPr>
+        <p:blipFill>
+          <a:blip r:embed="rId2"/>
+          <a:stretch>
+            <a:fillRect/>
+          </a:stretch>
+        </p:blipFill>
+        <p:spPr>
+          <a:xfrm>
+            <a:off x="6436360" y="2339975"/>
+            <a:ext cx="754380" cy="668655"/>
+          </a:xfrm>
+          <a:prstGeom prst="rect">
+            <a:avLst/>
+          </a:prstGeom>
+        </p:spPr>
+      </p:pic>
+      <p:pic>
+        <p:nvPicPr>
+          <p:cNvPr id="11" name="图片 10"/>
+          <p:cNvPicPr>
+            <a:picLocks noChangeAspect="1"/>
+          </p:cNvPicPr>
+          <p:nvPr/>
+        </p:nvPicPr>
+        <p:blipFill>
+          <a:blip r:embed="rId2"/>
+          <a:stretch>
+            <a:fillRect/>
+          </a:stretch>
+        </p:blipFill>
+        <p:spPr>
+          <a:xfrm>
+            <a:off x="7122795" y="2016125"/>
+            <a:ext cx="754380" cy="668655"/>
+          </a:xfrm>
+          <a:prstGeom prst="rect">
+            <a:avLst/>
+          </a:prstGeom>
+        </p:spPr>
+      </p:pic>
+      <p:sp>
+        <p:nvSpPr>
+          <p:cNvPr id="12" name="椭圆 11"/>
+          <p:cNvSpPr/>
+          <p:nvPr/>
+        </p:nvSpPr>
+        <p:spPr>
+          <a:xfrm>
+            <a:off x="2599690" y="2411095"/>
+            <a:ext cx="2149475" cy="2030730"/>
+          </a:xfrm>
+          <a:prstGeom prst="ellipse">
+            <a:avLst/>
+          </a:prstGeom>
+          <a:noFill/>
+          <a:ln w="38100">
+            <a:prstDash val="dash"/>
+          </a:ln>
+          <a:extLst>
+            <a:ext uri="{909E8E84-426E-40DD-AFC4-6F175D3DCCD1}">
+              <a14:hiddenFill xmlns:a14="http://schemas.microsoft.com/office/drawing/2010/main">
+                <a:solidFill>
+                  <a:schemeClr val="accent1"/>
+                </a:solidFill>
+              </a14:hiddenFill>
+            </a:ext>
+          </a:extLst>
+        </p:spPr>
+        <p:style>
+          <a:lnRef idx="2">
+            <a:schemeClr val="accent1">
+              <a:shade val="50000"/>
+            </a:schemeClr>
+          </a:lnRef>
+          <a:fillRef idx="1">
+            <a:schemeClr val="accent1"/>
+          </a:fillRef>
+          <a:effectRef idx="0">
+            <a:schemeClr val="accent1"/>
+          </a:effectRef>
+          <a:fontRef idx="minor">
+            <a:schemeClr val="lt1"/>
+          </a:fontRef>
+        </p:style>
+        <p:txBody>
+          <a:bodyPr rtlCol="0" anchor="ctr"/>
+          <a:p>
+            <a:pPr algn="ctr"/>
+            <a:endParaRPr lang="zh-CN" altLang="en-US"/>
+          </a:p>
+        </p:txBody>
+      </p:sp>
+      <p:pic>
+        <p:nvPicPr>
+          <p:cNvPr id="13" name="图片 12"/>
+          <p:cNvPicPr>
+            <a:picLocks noChangeAspect="1"/>
+          </p:cNvPicPr>
+          <p:nvPr/>
+        </p:nvPicPr>
+        <p:blipFill>
+          <a:blip r:embed="rId2"/>
+          <a:stretch>
+            <a:fillRect/>
+          </a:stretch>
+        </p:blipFill>
+        <p:spPr>
+          <a:xfrm>
+            <a:off x="2982595" y="2651760"/>
+            <a:ext cx="754380" cy="668655"/>
+          </a:xfrm>
+          <a:prstGeom prst="rect">
+            <a:avLst/>
+          </a:prstGeom>
+        </p:spPr>
+      </p:pic>
+      <p:pic>
+        <p:nvPicPr>
+          <p:cNvPr id="16" name="图片 15"/>
           <p:cNvPicPr>
             <a:picLocks noChangeAspect="1"/>
           </p:cNvPicPr>
@@ -6815,8 +7746,32 @@
         </p:blipFill>
         <p:spPr>
           <a:xfrm>
-            <a:off x="68580" y="3603625"/>
-            <a:ext cx="5097780" cy="2156460"/>
+            <a:off x="2974975" y="3484245"/>
+            <a:ext cx="762000" cy="674370"/>
+          </a:xfrm>
+          <a:prstGeom prst="rect">
+            <a:avLst/>
+          </a:prstGeom>
+        </p:spPr>
+      </p:pic>
+      <p:pic>
+        <p:nvPicPr>
+          <p:cNvPr id="17" name="图片 16"/>
+          <p:cNvPicPr>
+            <a:picLocks noChangeAspect="1"/>
+          </p:cNvPicPr>
+          <p:nvPr/>
+        </p:nvPicPr>
+        <p:blipFill>
+          <a:blip r:embed="rId4"/>
+          <a:stretch>
+            <a:fillRect/>
+          </a:stretch>
+        </p:blipFill>
+        <p:spPr>
+          <a:xfrm>
+            <a:off x="3784600" y="3027680"/>
+            <a:ext cx="716915" cy="791210"/>
           </a:xfrm>
           <a:prstGeom prst="rect">
             <a:avLst/>
@@ -6825,34 +7780,30 @@
       </p:pic>
       <p:sp>
         <p:nvSpPr>
-          <p:cNvPr id="10" name="圆角矩形标注 9"/>
+          <p:cNvPr id="30" name="等于号 29"/>
           <p:cNvSpPr/>
           <p:nvPr/>
         </p:nvSpPr>
         <p:spPr>
           <a:xfrm>
-            <a:off x="216535" y="5760085"/>
-            <a:ext cx="4949825" cy="974725"/>
-          </a:xfrm>
-          <a:prstGeom prst="wedgeRoundRectCallout">
-            <a:avLst>
-              <a:gd name="adj1" fmla="val -17761"/>
-              <a:gd name="adj2" fmla="val -73778"/>
-              <a:gd name="adj3" fmla="val 16667"/>
-            </a:avLst>
+            <a:off x="5163820" y="2391410"/>
+            <a:ext cx="826135" cy="487680"/>
+          </a:xfrm>
+          <a:prstGeom prst="mathEqual">
+            <a:avLst/>
           </a:prstGeom>
         </p:spPr>
         <p:style>
           <a:lnRef idx="2">
-            <a:schemeClr val="accent3">
+            <a:schemeClr val="accent1">
               <a:shade val="50000"/>
             </a:schemeClr>
           </a:lnRef>
           <a:fillRef idx="1">
-            <a:schemeClr val="accent3"/>
+            <a:schemeClr val="accent1"/>
           </a:fillRef>
           <a:effectRef idx="0">
-            <a:schemeClr val="accent3"/>
+            <a:schemeClr val="accent1"/>
           </a:effectRef>
           <a:fontRef idx="minor">
             <a:schemeClr val="lt1"/>
@@ -6862,59 +7813,818 @@
           <a:bodyPr rtlCol="0" anchor="ctr"/>
           <a:p>
             <a:pPr algn="ctr"/>
-            <a:r>
-              <a:rPr lang="zh-CN" altLang="en-US">
-                <a:sym typeface="+mn-ea"/>
-              </a:rPr>
-              <a:t>编译器不会帮你把 </a:t>
-            </a:r>
-            <a:r>
-              <a:rPr lang="en-US" altLang="zh-CN">
-                <a:sym typeface="+mn-ea"/>
-              </a:rPr>
-              <a:t>Bird </a:t>
-            </a:r>
-            <a:r>
-              <a:rPr lang="zh-CN" altLang="en-US">
-                <a:sym typeface="+mn-ea"/>
-              </a:rPr>
-              <a:t>强转成 </a:t>
-            </a:r>
-            <a:r>
-              <a:rPr lang="en-US" altLang="zh-CN">
-                <a:sym typeface="+mn-ea"/>
-              </a:rPr>
-              <a:t>Object</a:t>
-            </a:r>
-            <a:r>
-              <a:rPr lang="zh-CN" altLang="en-US">
-                <a:sym typeface="+mn-ea"/>
-              </a:rPr>
-              <a:t>，支持的话，</a:t>
-            </a:r>
-            <a:r>
-              <a:rPr lang="en-US" altLang="zh-CN">
-                <a:sym typeface="+mn-ea"/>
-              </a:rPr>
-              <a:t>Test </a:t>
-            </a:r>
-            <a:r>
-              <a:rPr lang="zh-CN" altLang="en-US">
-                <a:sym typeface="+mn-ea"/>
-              </a:rPr>
-              <a:t>类也支持强转咯？？</a:t>
-            </a:r>
-            <a:endParaRPr lang="zh-CN" altLang="en-US"/>
-          </a:p>
+            <a:endParaRPr lang="zh-CN" altLang="en-US">
+              <a:solidFill>
+                <a:schemeClr val="tx1"/>
+              </a:solidFill>
+            </a:endParaRPr>
+          </a:p>
+        </p:txBody>
+      </p:sp>
+      <p:sp>
+        <p:nvSpPr>
+          <p:cNvPr id="32" name="右箭头 31"/>
+          <p:cNvSpPr/>
+          <p:nvPr/>
+        </p:nvSpPr>
+        <p:spPr>
+          <a:xfrm>
+            <a:off x="8779510" y="2065020"/>
+            <a:ext cx="677545" cy="408305"/>
+          </a:xfrm>
+          <a:prstGeom prst="rightArrow">
+            <a:avLst/>
+          </a:prstGeom>
+        </p:spPr>
+        <p:style>
+          <a:lnRef idx="2">
+            <a:schemeClr val="accent1">
+              <a:shade val="50000"/>
+            </a:schemeClr>
+          </a:lnRef>
+          <a:fillRef idx="1">
+            <a:schemeClr val="accent1"/>
+          </a:fillRef>
+          <a:effectRef idx="0">
+            <a:schemeClr val="accent1"/>
+          </a:effectRef>
+          <a:fontRef idx="minor">
+            <a:schemeClr val="lt1"/>
+          </a:fontRef>
+        </p:style>
+        <p:txBody>
+          <a:bodyPr rtlCol="0" anchor="ctr"/>
           <a:p>
             <a:pPr algn="ctr"/>
             <a:endParaRPr lang="zh-CN" altLang="en-US"/>
+          </a:p>
+        </p:txBody>
+      </p:sp>
+      <p:sp>
+        <p:nvSpPr>
+          <p:cNvPr id="89" name="文本框 88"/>
+          <p:cNvSpPr txBox="1"/>
+          <p:nvPr/>
+        </p:nvSpPr>
+        <p:spPr>
+          <a:xfrm>
+            <a:off x="2505710" y="1920875"/>
+            <a:ext cx="2546350" cy="368300"/>
+          </a:xfrm>
+          <a:prstGeom prst="rect">
+            <a:avLst/>
+          </a:prstGeom>
+          <a:noFill/>
+        </p:spPr>
+        <p:txBody>
+          <a:bodyPr wrap="square" rtlCol="0">
+            <a:spAutoFit/>
+          </a:bodyPr>
+          <a:p>
+            <a:r>
+              <a:rPr lang="en-US" altLang="zh-CN" b="1">
+                <a:solidFill>
+                  <a:schemeClr val="accent1"/>
+                </a:solidFill>
+              </a:rPr>
+              <a:t>Plate&lt;? extend Fruit&gt;</a:t>
+            </a:r>
+            <a:endParaRPr lang="en-US" altLang="zh-CN" b="1">
+              <a:solidFill>
+                <a:schemeClr val="accent1"/>
+              </a:solidFill>
+            </a:endParaRPr>
+          </a:p>
+        </p:txBody>
+      </p:sp>
+      <p:sp>
+        <p:nvSpPr>
+          <p:cNvPr id="91" name="文本框 90"/>
+          <p:cNvSpPr txBox="1"/>
+          <p:nvPr/>
+        </p:nvSpPr>
+        <p:spPr>
+          <a:xfrm>
+            <a:off x="6252210" y="1007110"/>
+            <a:ext cx="5772150" cy="368300"/>
+          </a:xfrm>
+          <a:prstGeom prst="rect">
+            <a:avLst/>
+          </a:prstGeom>
+          <a:noFill/>
+        </p:spPr>
+        <p:txBody>
+          <a:bodyPr wrap="square" rtlCol="0">
+            <a:spAutoFit/>
+          </a:bodyPr>
+          <a:p>
+            <a:r>
+              <a:rPr lang="en-US" altLang="zh-CN" b="1">
+                <a:solidFill>
+                  <a:srgbClr val="36A44E"/>
+                </a:solidFill>
+              </a:rPr>
+              <a:t>Plate&lt;? extend Fruit&gt; plate = new Plate&lt;Apple&gt;()</a:t>
+            </a:r>
+            <a:endParaRPr lang="en-US" altLang="zh-CN" b="1">
+              <a:solidFill>
+                <a:srgbClr val="36A44E"/>
+              </a:solidFill>
+            </a:endParaRPr>
+          </a:p>
+        </p:txBody>
+      </p:sp>
+      <p:pic>
+        <p:nvPicPr>
+          <p:cNvPr id="2" name="图片 1"/>
+          <p:cNvPicPr>
+            <a:picLocks noChangeAspect="1"/>
+          </p:cNvPicPr>
+          <p:nvPr/>
+        </p:nvPicPr>
+        <p:blipFill>
+          <a:blip r:embed="rId2"/>
+          <a:stretch>
+            <a:fillRect/>
+          </a:stretch>
+        </p:blipFill>
+        <p:spPr>
+          <a:xfrm>
+            <a:off x="9740900" y="1848485"/>
+            <a:ext cx="754380" cy="668655"/>
+          </a:xfrm>
+          <a:prstGeom prst="rect">
+            <a:avLst/>
+          </a:prstGeom>
+        </p:spPr>
+      </p:pic>
+      <p:pic>
+        <p:nvPicPr>
+          <p:cNvPr id="3" name="图片 2"/>
+          <p:cNvPicPr>
+            <a:picLocks noChangeAspect="1"/>
+          </p:cNvPicPr>
+          <p:nvPr/>
+        </p:nvPicPr>
+        <p:blipFill>
+          <a:blip r:embed="rId2"/>
+          <a:stretch>
+            <a:fillRect/>
+          </a:stretch>
+        </p:blipFill>
+        <p:spPr>
+          <a:xfrm>
+            <a:off x="9740900" y="2867025"/>
+            <a:ext cx="754380" cy="668655"/>
+          </a:xfrm>
+          <a:prstGeom prst="rect">
+            <a:avLst/>
+          </a:prstGeom>
+        </p:spPr>
+      </p:pic>
+      <p:sp>
+        <p:nvSpPr>
+          <p:cNvPr id="4" name="右箭头 3"/>
+          <p:cNvSpPr/>
+          <p:nvPr/>
+        </p:nvSpPr>
+        <p:spPr>
+          <a:xfrm rot="10800000">
+            <a:off x="8733155" y="2835910"/>
+            <a:ext cx="677545" cy="408305"/>
+          </a:xfrm>
+          <a:prstGeom prst="rightArrow">
+            <a:avLst/>
+          </a:prstGeom>
+        </p:spPr>
+        <p:style>
+          <a:lnRef idx="2">
+            <a:schemeClr val="accent1">
+              <a:shade val="50000"/>
+            </a:schemeClr>
+          </a:lnRef>
+          <a:fillRef idx="1">
+            <a:schemeClr val="accent1"/>
+          </a:fillRef>
+          <a:effectRef idx="0">
+            <a:schemeClr val="accent1"/>
+          </a:effectRef>
+          <a:fontRef idx="minor">
+            <a:schemeClr val="lt1"/>
+          </a:fontRef>
+        </p:style>
+        <p:txBody>
+          <a:bodyPr rtlCol="0" anchor="ctr"/>
+          <a:p>
+            <a:pPr algn="ctr"/>
+            <a:endParaRPr lang="zh-CN" altLang="en-US"/>
+          </a:p>
+        </p:txBody>
+      </p:sp>
+      <p:pic>
+        <p:nvPicPr>
+          <p:cNvPr id="5" name="图片 4"/>
+          <p:cNvPicPr>
+            <a:picLocks noChangeAspect="1"/>
+          </p:cNvPicPr>
+          <p:nvPr/>
+        </p:nvPicPr>
+        <p:blipFill>
+          <a:blip r:embed="rId2"/>
+          <a:stretch>
+            <a:fillRect/>
+          </a:stretch>
+        </p:blipFill>
+        <p:spPr>
+          <a:xfrm>
+            <a:off x="702945" y="2254250"/>
+            <a:ext cx="754380" cy="668655"/>
+          </a:xfrm>
+          <a:prstGeom prst="rect">
+            <a:avLst/>
+          </a:prstGeom>
+        </p:spPr>
+      </p:pic>
+      <p:sp>
+        <p:nvSpPr>
+          <p:cNvPr id="6" name="右箭头 5"/>
+          <p:cNvSpPr/>
+          <p:nvPr/>
+        </p:nvSpPr>
+        <p:spPr>
+          <a:xfrm rot="10800000">
+            <a:off x="1596390" y="2349500"/>
+            <a:ext cx="677545" cy="408305"/>
+          </a:xfrm>
+          <a:prstGeom prst="rightArrow">
+            <a:avLst/>
+          </a:prstGeom>
+        </p:spPr>
+        <p:style>
+          <a:lnRef idx="2">
+            <a:schemeClr val="accent1">
+              <a:shade val="50000"/>
+            </a:schemeClr>
+          </a:lnRef>
+          <a:fillRef idx="1">
+            <a:schemeClr val="accent1"/>
+          </a:fillRef>
+          <a:effectRef idx="0">
+            <a:schemeClr val="accent1"/>
+          </a:effectRef>
+          <a:fontRef idx="minor">
+            <a:schemeClr val="lt1"/>
+          </a:fontRef>
+        </p:style>
+        <p:txBody>
+          <a:bodyPr rtlCol="0" anchor="ctr"/>
+          <a:p>
+            <a:pPr algn="ctr"/>
+            <a:endParaRPr lang="zh-CN" altLang="en-US"/>
+          </a:p>
+        </p:txBody>
+      </p:sp>
+      <p:sp>
+        <p:nvSpPr>
+          <p:cNvPr id="10" name="椭圆 9"/>
+          <p:cNvSpPr/>
+          <p:nvPr/>
+        </p:nvSpPr>
+        <p:spPr>
+          <a:xfrm>
+            <a:off x="6043930" y="3878580"/>
+            <a:ext cx="2149475" cy="2030730"/>
+          </a:xfrm>
+          <a:prstGeom prst="ellipse">
+            <a:avLst/>
+          </a:prstGeom>
+          <a:noFill/>
+          <a:ln w="38100">
+            <a:prstDash val="solid"/>
+          </a:ln>
+          <a:extLst>
+            <a:ext uri="{909E8E84-426E-40DD-AFC4-6F175D3DCCD1}">
+              <a14:hiddenFill xmlns:a14="http://schemas.microsoft.com/office/drawing/2010/main">
+                <a:solidFill>
+                  <a:schemeClr val="accent1"/>
+                </a:solidFill>
+              </a14:hiddenFill>
+            </a:ext>
+          </a:extLst>
+        </p:spPr>
+        <p:style>
+          <a:lnRef idx="2">
+            <a:schemeClr val="accent1">
+              <a:shade val="50000"/>
+            </a:schemeClr>
+          </a:lnRef>
+          <a:fillRef idx="1">
+            <a:schemeClr val="accent1"/>
+          </a:fillRef>
+          <a:effectRef idx="0">
+            <a:schemeClr val="accent1"/>
+          </a:effectRef>
+          <a:fontRef idx="minor">
+            <a:schemeClr val="lt1"/>
+          </a:fontRef>
+        </p:style>
+        <p:txBody>
+          <a:bodyPr rtlCol="0" anchor="ctr"/>
+          <a:p>
+            <a:pPr algn="ctr"/>
+            <a:endParaRPr lang="zh-CN" altLang="en-US"/>
+          </a:p>
+        </p:txBody>
+      </p:sp>
+      <p:pic>
+        <p:nvPicPr>
+          <p:cNvPr id="14" name="图片 13"/>
+          <p:cNvPicPr>
+            <a:picLocks noChangeAspect="1"/>
+          </p:cNvPicPr>
+          <p:nvPr/>
+        </p:nvPicPr>
+        <p:blipFill>
+          <a:blip r:embed="rId2"/>
+          <a:stretch>
+            <a:fillRect/>
+          </a:stretch>
+        </p:blipFill>
+        <p:spPr>
+          <a:xfrm>
+            <a:off x="6426835" y="4119245"/>
+            <a:ext cx="754380" cy="668655"/>
+          </a:xfrm>
+          <a:prstGeom prst="rect">
+            <a:avLst/>
+          </a:prstGeom>
+        </p:spPr>
+      </p:pic>
+      <p:pic>
+        <p:nvPicPr>
+          <p:cNvPr id="15" name="图片 14"/>
+          <p:cNvPicPr>
+            <a:picLocks noChangeAspect="1"/>
+          </p:cNvPicPr>
+          <p:nvPr/>
+        </p:nvPicPr>
+        <p:blipFill>
+          <a:blip r:embed="rId3"/>
+          <a:stretch>
+            <a:fillRect/>
+          </a:stretch>
+        </p:blipFill>
+        <p:spPr>
+          <a:xfrm>
+            <a:off x="6419215" y="4951730"/>
+            <a:ext cx="762000" cy="674370"/>
+          </a:xfrm>
+          <a:prstGeom prst="rect">
+            <a:avLst/>
+          </a:prstGeom>
+        </p:spPr>
+      </p:pic>
+      <p:pic>
+        <p:nvPicPr>
+          <p:cNvPr id="19" name="图片 18"/>
+          <p:cNvPicPr>
+            <a:picLocks noChangeAspect="1"/>
+          </p:cNvPicPr>
+          <p:nvPr/>
+        </p:nvPicPr>
+        <p:blipFill>
+          <a:blip r:embed="rId4"/>
+          <a:stretch>
+            <a:fillRect/>
+          </a:stretch>
+        </p:blipFill>
+        <p:spPr>
+          <a:xfrm>
+            <a:off x="7228840" y="4495165"/>
+            <a:ext cx="716915" cy="791210"/>
+          </a:xfrm>
+          <a:prstGeom prst="rect">
+            <a:avLst/>
+          </a:prstGeom>
+        </p:spPr>
+      </p:pic>
+      <p:sp>
+        <p:nvSpPr>
+          <p:cNvPr id="20" name="等于号 19"/>
+          <p:cNvSpPr/>
+          <p:nvPr/>
+        </p:nvSpPr>
+        <p:spPr>
+          <a:xfrm>
+            <a:off x="5170170" y="4215765"/>
+            <a:ext cx="826135" cy="487680"/>
+          </a:xfrm>
+          <a:prstGeom prst="mathEqual">
+            <a:avLst/>
+          </a:prstGeom>
+        </p:spPr>
+        <p:style>
+          <a:lnRef idx="2">
+            <a:schemeClr val="accent1">
+              <a:shade val="50000"/>
+            </a:schemeClr>
+          </a:lnRef>
+          <a:fillRef idx="1">
+            <a:schemeClr val="accent1"/>
+          </a:fillRef>
+          <a:effectRef idx="0">
+            <a:schemeClr val="accent1"/>
+          </a:effectRef>
+          <a:fontRef idx="minor">
+            <a:schemeClr val="lt1"/>
+          </a:fontRef>
+        </p:style>
+        <p:txBody>
+          <a:bodyPr rtlCol="0" anchor="ctr"/>
+          <a:p>
+            <a:pPr algn="ctr"/>
+            <a:endParaRPr lang="zh-CN" altLang="en-US">
+              <a:solidFill>
+                <a:schemeClr val="tx1"/>
+              </a:solidFill>
+            </a:endParaRPr>
+          </a:p>
+        </p:txBody>
+      </p:sp>
+      <p:sp>
+        <p:nvSpPr>
+          <p:cNvPr id="27" name="右箭头 26"/>
+          <p:cNvSpPr/>
+          <p:nvPr/>
+        </p:nvSpPr>
+        <p:spPr>
+          <a:xfrm>
+            <a:off x="8790305" y="4335780"/>
+            <a:ext cx="677545" cy="408305"/>
+          </a:xfrm>
+          <a:prstGeom prst="rightArrow">
+            <a:avLst/>
+          </a:prstGeom>
+        </p:spPr>
+        <p:style>
+          <a:lnRef idx="2">
+            <a:schemeClr val="accent1">
+              <a:shade val="50000"/>
+            </a:schemeClr>
+          </a:lnRef>
+          <a:fillRef idx="1">
+            <a:schemeClr val="accent1"/>
+          </a:fillRef>
+          <a:effectRef idx="0">
+            <a:schemeClr val="accent1"/>
+          </a:effectRef>
+          <a:fontRef idx="minor">
+            <a:schemeClr val="lt1"/>
+          </a:fontRef>
+        </p:style>
+        <p:txBody>
+          <a:bodyPr rtlCol="0" anchor="ctr"/>
+          <a:p>
+            <a:pPr algn="ctr"/>
+            <a:endParaRPr lang="zh-CN" altLang="en-US"/>
+          </a:p>
+        </p:txBody>
+      </p:sp>
+      <p:pic>
+        <p:nvPicPr>
+          <p:cNvPr id="28" name="图片 27"/>
+          <p:cNvPicPr>
+            <a:picLocks noChangeAspect="1"/>
+          </p:cNvPicPr>
+          <p:nvPr/>
+        </p:nvPicPr>
+        <p:blipFill>
+          <a:blip r:embed="rId3"/>
+          <a:stretch>
+            <a:fillRect/>
+          </a:stretch>
+        </p:blipFill>
+        <p:spPr>
+          <a:xfrm>
+            <a:off x="9763125" y="4556760"/>
+            <a:ext cx="762000" cy="674370"/>
+          </a:xfrm>
+          <a:prstGeom prst="rect">
+            <a:avLst/>
+          </a:prstGeom>
+        </p:spPr>
+      </p:pic>
+      <p:pic>
+        <p:nvPicPr>
+          <p:cNvPr id="37" name="图片 36"/>
+          <p:cNvPicPr>
+            <a:picLocks noChangeAspect="1"/>
+          </p:cNvPicPr>
+          <p:nvPr/>
+        </p:nvPicPr>
+        <p:blipFill>
+          <a:blip r:embed="rId4"/>
+          <a:stretch>
+            <a:fillRect/>
+          </a:stretch>
+        </p:blipFill>
+        <p:spPr>
+          <a:xfrm>
+            <a:off x="9837420" y="5301615"/>
+            <a:ext cx="716915" cy="791210"/>
+          </a:xfrm>
+          <a:prstGeom prst="rect">
+            <a:avLst/>
+          </a:prstGeom>
+        </p:spPr>
+      </p:pic>
+      <p:sp>
+        <p:nvSpPr>
+          <p:cNvPr id="38" name="文本框 37"/>
+          <p:cNvSpPr txBox="1"/>
+          <p:nvPr/>
+        </p:nvSpPr>
+        <p:spPr>
+          <a:xfrm>
+            <a:off x="6242685" y="6092825"/>
+            <a:ext cx="5781040" cy="368300"/>
+          </a:xfrm>
+          <a:prstGeom prst="rect">
+            <a:avLst/>
+          </a:prstGeom>
+          <a:noFill/>
+        </p:spPr>
+        <p:txBody>
+          <a:bodyPr wrap="square" rtlCol="0">
+            <a:spAutoFit/>
+          </a:bodyPr>
+          <a:p>
+            <a:r>
+              <a:rPr lang="en-US" altLang="zh-CN" b="1">
+                <a:solidFill>
+                  <a:schemeClr val="accent1"/>
+                </a:solidFill>
+              </a:rPr>
+              <a:t>Plate&lt;? extend Fruit&gt; plate = new Plate&lt;Fruit&gt;()</a:t>
+            </a:r>
+            <a:endParaRPr lang="en-US" altLang="zh-CN" b="1">
+              <a:solidFill>
+                <a:schemeClr val="accent1"/>
+              </a:solidFill>
+            </a:endParaRPr>
+          </a:p>
+        </p:txBody>
+      </p:sp>
+      <p:pic>
+        <p:nvPicPr>
+          <p:cNvPr id="39" name="图片 38"/>
+          <p:cNvPicPr>
+            <a:picLocks noChangeAspect="1"/>
+          </p:cNvPicPr>
+          <p:nvPr/>
+        </p:nvPicPr>
+        <p:blipFill>
+          <a:blip r:embed="rId2"/>
+          <a:stretch>
+            <a:fillRect/>
+          </a:stretch>
+        </p:blipFill>
+        <p:spPr>
+          <a:xfrm>
+            <a:off x="802640" y="4034790"/>
+            <a:ext cx="754380" cy="668655"/>
+          </a:xfrm>
+          <a:prstGeom prst="rect">
+            <a:avLst/>
+          </a:prstGeom>
+        </p:spPr>
+      </p:pic>
+      <p:sp>
+        <p:nvSpPr>
+          <p:cNvPr id="40" name="右箭头 39"/>
+          <p:cNvSpPr/>
+          <p:nvPr/>
+        </p:nvSpPr>
+        <p:spPr>
+          <a:xfrm rot="10800000">
+            <a:off x="1696085" y="4130040"/>
+            <a:ext cx="677545" cy="408305"/>
+          </a:xfrm>
+          <a:prstGeom prst="rightArrow">
+            <a:avLst/>
+          </a:prstGeom>
+        </p:spPr>
+        <p:style>
+          <a:lnRef idx="2">
+            <a:schemeClr val="accent1">
+              <a:shade val="50000"/>
+            </a:schemeClr>
+          </a:lnRef>
+          <a:fillRef idx="1">
+            <a:schemeClr val="accent1"/>
+          </a:fillRef>
+          <a:effectRef idx="0">
+            <a:schemeClr val="accent1"/>
+          </a:effectRef>
+          <a:fontRef idx="minor">
+            <a:schemeClr val="lt1"/>
+          </a:fontRef>
+        </p:style>
+        <p:txBody>
+          <a:bodyPr rtlCol="0" anchor="ctr"/>
+          <a:p>
+            <a:pPr algn="ctr"/>
+            <a:endParaRPr lang="zh-CN" altLang="en-US"/>
+          </a:p>
+        </p:txBody>
+      </p:sp>
+      <p:pic>
+        <p:nvPicPr>
+          <p:cNvPr id="41" name="图片 40"/>
+          <p:cNvPicPr>
+            <a:picLocks noChangeAspect="1"/>
+          </p:cNvPicPr>
+          <p:nvPr/>
+        </p:nvPicPr>
+        <p:blipFill>
+          <a:blip r:embed="rId3"/>
+          <a:stretch>
+            <a:fillRect/>
+          </a:stretch>
+        </p:blipFill>
+        <p:spPr>
+          <a:xfrm>
+            <a:off x="795020" y="4787900"/>
+            <a:ext cx="762000" cy="674370"/>
+          </a:xfrm>
+          <a:prstGeom prst="rect">
+            <a:avLst/>
+          </a:prstGeom>
+        </p:spPr>
+      </p:pic>
+      <p:pic>
+        <p:nvPicPr>
+          <p:cNvPr id="42" name="图片 41"/>
+          <p:cNvPicPr>
+            <a:picLocks noChangeAspect="1"/>
+          </p:cNvPicPr>
+          <p:nvPr/>
+        </p:nvPicPr>
+        <p:blipFill>
+          <a:blip r:embed="rId4"/>
+          <a:stretch>
+            <a:fillRect/>
+          </a:stretch>
+        </p:blipFill>
+        <p:spPr>
+          <a:xfrm>
+            <a:off x="817880" y="5626100"/>
+            <a:ext cx="716915" cy="791210"/>
+          </a:xfrm>
+          <a:prstGeom prst="rect">
+            <a:avLst/>
+          </a:prstGeom>
+        </p:spPr>
+      </p:pic>
+      <p:cxnSp>
+        <p:nvCxnSpPr>
+          <p:cNvPr id="43" name="直接连接符 42"/>
+          <p:cNvCxnSpPr/>
+          <p:nvPr/>
+        </p:nvCxnSpPr>
+        <p:spPr>
+          <a:xfrm>
+            <a:off x="253365" y="3642360"/>
+            <a:ext cx="11436350" cy="0"/>
+          </a:xfrm>
+          <a:prstGeom prst="line">
+            <a:avLst/>
+          </a:prstGeom>
+          <a:ln w="38100">
+            <a:solidFill>
+              <a:srgbClr val="FFC000"/>
+            </a:solidFill>
+            <a:prstDash val="dash"/>
+          </a:ln>
+        </p:spPr>
+        <p:style>
+          <a:lnRef idx="1">
+            <a:schemeClr val="accent1"/>
+          </a:lnRef>
+          <a:fillRef idx="0">
+            <a:schemeClr val="accent1"/>
+          </a:fillRef>
+          <a:effectRef idx="0">
+            <a:schemeClr val="accent1"/>
+          </a:effectRef>
+          <a:fontRef idx="minor">
+            <a:schemeClr val="tx1"/>
+          </a:fontRef>
+        </p:style>
+      </p:cxnSp>
+      <p:sp>
+        <p:nvSpPr>
+          <p:cNvPr id="44" name="右箭头 43"/>
+          <p:cNvSpPr/>
+          <p:nvPr/>
+        </p:nvSpPr>
+        <p:spPr>
+          <a:xfrm rot="10800000">
+            <a:off x="8779510" y="4951730"/>
+            <a:ext cx="677545" cy="408305"/>
+          </a:xfrm>
+          <a:prstGeom prst="rightArrow">
+            <a:avLst/>
+          </a:prstGeom>
+        </p:spPr>
+        <p:style>
+          <a:lnRef idx="2">
+            <a:schemeClr val="accent1">
+              <a:shade val="50000"/>
+            </a:schemeClr>
+          </a:lnRef>
+          <a:fillRef idx="1">
+            <a:schemeClr val="accent1"/>
+          </a:fillRef>
+          <a:effectRef idx="0">
+            <a:schemeClr val="accent1"/>
+          </a:effectRef>
+          <a:fontRef idx="minor">
+            <a:schemeClr val="lt1"/>
+          </a:fontRef>
+        </p:style>
+        <p:txBody>
+          <a:bodyPr rtlCol="0" anchor="ctr"/>
+          <a:p>
+            <a:pPr algn="ctr"/>
+            <a:endParaRPr lang="zh-CN" altLang="en-US"/>
+          </a:p>
+        </p:txBody>
+      </p:sp>
+      <p:pic>
+        <p:nvPicPr>
+          <p:cNvPr id="45" name="图片 44"/>
+          <p:cNvPicPr>
+            <a:picLocks noChangeAspect="1"/>
+          </p:cNvPicPr>
+          <p:nvPr/>
+        </p:nvPicPr>
+        <p:blipFill>
+          <a:blip r:embed="rId2"/>
+          <a:stretch>
+            <a:fillRect/>
+          </a:stretch>
+        </p:blipFill>
+        <p:spPr>
+          <a:xfrm>
+            <a:off x="9740900" y="3773170"/>
+            <a:ext cx="754380" cy="668655"/>
+          </a:xfrm>
+          <a:prstGeom prst="rect">
+            <a:avLst/>
+          </a:prstGeom>
+        </p:spPr>
+      </p:pic>
+      <p:sp>
+        <p:nvSpPr>
+          <p:cNvPr id="46" name="文本框 45"/>
+          <p:cNvSpPr txBox="1"/>
+          <p:nvPr/>
+        </p:nvSpPr>
+        <p:spPr>
+          <a:xfrm>
+            <a:off x="1178560" y="944880"/>
+            <a:ext cx="4379595" cy="368300"/>
+          </a:xfrm>
+          <a:prstGeom prst="rect">
+            <a:avLst/>
+          </a:prstGeom>
+          <a:noFill/>
+        </p:spPr>
+        <p:txBody>
+          <a:bodyPr wrap="square" rtlCol="0">
+            <a:spAutoFit/>
+          </a:bodyPr>
+          <a:p>
+            <a:r>
+              <a:rPr lang="zh-CN" altLang="en-US" b="1">
+                <a:solidFill>
+                  <a:srgbClr val="36A44E"/>
+                </a:solidFill>
+              </a:rPr>
+              <a:t>泛型上界不能添加元素</a:t>
+            </a:r>
+            <a:endParaRPr lang="zh-CN" altLang="en-US" b="1">
+              <a:solidFill>
+                <a:srgbClr val="36A44E"/>
+              </a:solidFill>
+            </a:endParaRPr>
           </a:p>
         </p:txBody>
       </p:sp>
     </p:spTree>
     <p:custDataLst>
-      <p:tags r:id="rId4"/>
+      <p:tags r:id="rId5"/>
     </p:custDataLst>
   </p:cSld>
   <p:clrMapOvr>
@@ -6924,230 +8634,6 @@
 </file>
 
 <file path=ppt/slides/slide12.xml><?xml version="1.0" encoding="utf-8"?>
-<p:sld xmlns:a="http://schemas.openxmlformats.org/drawingml/2006/main" xmlns:r="http://schemas.openxmlformats.org/officeDocument/2006/relationships" xmlns:p="http://schemas.openxmlformats.org/presentationml/2006/main">
-  <p:cSld>
-    <p:bg>
-      <p:bgPr>
-        <a:blipFill rotWithShape="1">
-          <a:blip r:embed="rId1"/>
-          <a:stretch>
-            <a:fillRect/>
-          </a:stretch>
-        </a:blipFill>
-        <a:effectLst/>
-      </p:bgPr>
-    </p:bg>
-    <p:spTree>
-      <p:nvGrpSpPr>
-        <p:cNvPr id="1" name=""/>
-        <p:cNvGrpSpPr/>
-        <p:nvPr/>
-      </p:nvGrpSpPr>
-      <p:grpSpPr/>
-    </p:spTree>
-    <p:custDataLst>
-      <p:tags r:id="rId2"/>
-    </p:custDataLst>
-  </p:cSld>
-  <p:clrMapOvr>
-    <a:masterClrMapping/>
-  </p:clrMapOvr>
-</p:sld>
-</file>
-
-<file path=ppt/slides/slide13.xml><?xml version="1.0" encoding="utf-8"?>
-<p:sld xmlns:a="http://schemas.openxmlformats.org/drawingml/2006/main" xmlns:r="http://schemas.openxmlformats.org/officeDocument/2006/relationships" xmlns:p="http://schemas.openxmlformats.org/presentationml/2006/main">
-  <p:cSld>
-    <p:bg>
-      <p:bgPr>
-        <a:blipFill rotWithShape="1">
-          <a:blip r:embed="rId1"/>
-          <a:stretch>
-            <a:fillRect/>
-          </a:stretch>
-        </a:blipFill>
-        <a:effectLst/>
-      </p:bgPr>
-    </p:bg>
-    <p:spTree>
-      <p:nvGrpSpPr>
-        <p:cNvPr id="1" name=""/>
-        <p:cNvGrpSpPr/>
-        <p:nvPr/>
-      </p:nvGrpSpPr>
-      <p:grpSpPr/>
-    </p:spTree>
-    <p:custDataLst>
-      <p:tags r:id="rId2"/>
-    </p:custDataLst>
-  </p:cSld>
-  <p:clrMapOvr>
-    <a:masterClrMapping/>
-  </p:clrMapOvr>
-</p:sld>
-</file>
-
-<file path=ppt/slides/slide14.xml><?xml version="1.0" encoding="utf-8"?>
-<p:sld xmlns:a="http://schemas.openxmlformats.org/drawingml/2006/main" xmlns:r="http://schemas.openxmlformats.org/officeDocument/2006/relationships" xmlns:p="http://schemas.openxmlformats.org/presentationml/2006/main">
-  <p:cSld>
-    <p:bg>
-      <p:bgPr>
-        <a:blipFill rotWithShape="1">
-          <a:blip r:embed="rId1"/>
-          <a:stretch>
-            <a:fillRect/>
-          </a:stretch>
-        </a:blipFill>
-        <a:effectLst/>
-      </p:bgPr>
-    </p:bg>
-    <p:spTree>
-      <p:nvGrpSpPr>
-        <p:cNvPr id="1" name=""/>
-        <p:cNvGrpSpPr/>
-        <p:nvPr/>
-      </p:nvGrpSpPr>
-      <p:grpSpPr/>
-    </p:spTree>
-    <p:custDataLst>
-      <p:tags r:id="rId2"/>
-    </p:custDataLst>
-  </p:cSld>
-  <p:clrMapOvr>
-    <a:masterClrMapping/>
-  </p:clrMapOvr>
-</p:sld>
-</file>
-
-<file path=ppt/slides/slide15.xml><?xml version="1.0" encoding="utf-8"?>
-<p:sld xmlns:a="http://schemas.openxmlformats.org/drawingml/2006/main" xmlns:r="http://schemas.openxmlformats.org/officeDocument/2006/relationships" xmlns:p="http://schemas.openxmlformats.org/presentationml/2006/main">
-  <p:cSld>
-    <p:bg>
-      <p:bgPr>
-        <a:blipFill rotWithShape="1">
-          <a:blip r:embed="rId1"/>
-          <a:stretch>
-            <a:fillRect/>
-          </a:stretch>
-        </a:blipFill>
-        <a:effectLst/>
-      </p:bgPr>
-    </p:bg>
-    <p:spTree>
-      <p:nvGrpSpPr>
-        <p:cNvPr id="1" name=""/>
-        <p:cNvGrpSpPr/>
-        <p:nvPr/>
-      </p:nvGrpSpPr>
-      <p:grpSpPr/>
-    </p:spTree>
-    <p:custDataLst>
-      <p:tags r:id="rId2"/>
-    </p:custDataLst>
-  </p:cSld>
-  <p:clrMapOvr>
-    <a:masterClrMapping/>
-  </p:clrMapOvr>
-</p:sld>
-</file>
-
-<file path=ppt/slides/slide16.xml><?xml version="1.0" encoding="utf-8"?>
-<p:sld xmlns:a="http://schemas.openxmlformats.org/drawingml/2006/main" xmlns:r="http://schemas.openxmlformats.org/officeDocument/2006/relationships" xmlns:p="http://schemas.openxmlformats.org/presentationml/2006/main">
-  <p:cSld>
-    <p:bg>
-      <p:bgPr>
-        <a:blipFill rotWithShape="1">
-          <a:blip r:embed="rId1"/>
-          <a:stretch>
-            <a:fillRect/>
-          </a:stretch>
-        </a:blipFill>
-        <a:effectLst/>
-      </p:bgPr>
-    </p:bg>
-    <p:spTree>
-      <p:nvGrpSpPr>
-        <p:cNvPr id="1" name=""/>
-        <p:cNvGrpSpPr/>
-        <p:nvPr/>
-      </p:nvGrpSpPr>
-      <p:grpSpPr/>
-    </p:spTree>
-    <p:custDataLst>
-      <p:tags r:id="rId2"/>
-    </p:custDataLst>
-  </p:cSld>
-  <p:clrMapOvr>
-    <a:masterClrMapping/>
-  </p:clrMapOvr>
-</p:sld>
-</file>
-
-<file path=ppt/slides/slide17.xml><?xml version="1.0" encoding="utf-8"?>
-<p:sld xmlns:a="http://schemas.openxmlformats.org/drawingml/2006/main" xmlns:r="http://schemas.openxmlformats.org/officeDocument/2006/relationships" xmlns:p="http://schemas.openxmlformats.org/presentationml/2006/main">
-  <p:cSld>
-    <p:bg>
-      <p:bgPr>
-        <a:blipFill rotWithShape="1">
-          <a:blip r:embed="rId1"/>
-          <a:stretch>
-            <a:fillRect/>
-          </a:stretch>
-        </a:blipFill>
-        <a:effectLst/>
-      </p:bgPr>
-    </p:bg>
-    <p:spTree>
-      <p:nvGrpSpPr>
-        <p:cNvPr id="1" name=""/>
-        <p:cNvGrpSpPr/>
-        <p:nvPr/>
-      </p:nvGrpSpPr>
-      <p:grpSpPr/>
-    </p:spTree>
-    <p:custDataLst>
-      <p:tags r:id="rId2"/>
-    </p:custDataLst>
-  </p:cSld>
-  <p:clrMapOvr>
-    <a:masterClrMapping/>
-  </p:clrMapOvr>
-</p:sld>
-</file>
-
-<file path=ppt/slides/slide18.xml><?xml version="1.0" encoding="utf-8"?>
-<p:sld xmlns:a="http://schemas.openxmlformats.org/drawingml/2006/main" xmlns:r="http://schemas.openxmlformats.org/officeDocument/2006/relationships" xmlns:p="http://schemas.openxmlformats.org/presentationml/2006/main">
-  <p:cSld>
-    <p:bg>
-      <p:bgPr>
-        <a:blipFill rotWithShape="1">
-          <a:blip r:embed="rId1"/>
-          <a:stretch>
-            <a:fillRect/>
-          </a:stretch>
-        </a:blipFill>
-        <a:effectLst/>
-      </p:bgPr>
-    </p:bg>
-    <p:spTree>
-      <p:nvGrpSpPr>
-        <p:cNvPr id="1" name=""/>
-        <p:cNvGrpSpPr/>
-        <p:nvPr/>
-      </p:nvGrpSpPr>
-      <p:grpSpPr/>
-    </p:spTree>
-    <p:custDataLst>
-      <p:tags r:id="rId2"/>
-    </p:custDataLst>
-  </p:cSld>
-  <p:clrMapOvr>
-    <a:masterClrMapping/>
-  </p:clrMapOvr>
-</p:sld>
-</file>
-
-<file path=ppt/slides/slide19.xml><?xml version="1.0" encoding="utf-8"?>
 <p:sld xmlns:a="http://schemas.openxmlformats.org/drawingml/2006/main" xmlns:r="http://schemas.openxmlformats.org/officeDocument/2006/relationships" xmlns:p="http://schemas.openxmlformats.org/presentationml/2006/main">
   <p:cSld>
     <p:bg>
@@ -7208,8 +8694,8 @@
         </p:nvSpPr>
         <p:spPr>
           <a:xfrm>
-            <a:off x="3945890" y="819150"/>
-            <a:ext cx="3825240" cy="583565"/>
+            <a:off x="185420" y="533400"/>
+            <a:ext cx="11705590" cy="583565"/>
           </a:xfrm>
           <a:prstGeom prst="rect">
             <a:avLst/>
@@ -7221,6 +8707,7 @@
             <a:spAutoFit/>
           </a:bodyPr>
           <a:p>
+            <a:pPr algn="ctr"/>
             <a:r>
               <a:rPr lang="zh-CN" altLang="en-US" sz="3200"/>
               <a:t>Java 泛型</a:t>
@@ -7237,8 +8724,8 @@
         </p:nvSpPr>
         <p:spPr>
           <a:xfrm>
-            <a:off x="185420" y="1602105"/>
-            <a:ext cx="11894185" cy="4276725"/>
+            <a:off x="149225" y="1258570"/>
+            <a:ext cx="11894185" cy="5384800"/>
           </a:xfrm>
           <a:prstGeom prst="rect">
             <a:avLst/>
@@ -7251,15 +8738,15 @@
           </a:bodyPr>
           <a:p>
             <a:r>
-              <a:rPr lang="en-US" altLang="zh-CN" sz="1600">
+              <a:rPr lang="en-US" altLang="zh-CN">
                 <a:latin typeface="宋体" panose="02010600030101010101" pitchFamily="2" charset="-122"/>
                 <a:ea typeface="宋体" panose="02010600030101010101" pitchFamily="2" charset="-122"/>
                 <a:cs typeface="宋体" panose="02010600030101010101" pitchFamily="2" charset="-122"/>
               </a:rPr>
-              <a:t>Java 泛型（generics）是 JDK 5 中引入的一个新特性, 泛型提供了编译时</a:t>
-            </a:r>
-            <a:r>
-              <a:rPr lang="en-US" altLang="zh-CN" sz="1600">
+              <a:t>Java 泛型（generics）是 JDK 5 中引入的一个新特性, 泛型提供了</a:t>
+            </a:r>
+            <a:r>
+              <a:rPr lang="en-US" altLang="zh-CN" b="1">
                 <a:solidFill>
                   <a:srgbClr val="FF0000"/>
                 </a:solidFill>
@@ -7267,17 +8754,17 @@
                 <a:ea typeface="宋体" panose="02010600030101010101" pitchFamily="2" charset="-122"/>
                 <a:cs typeface="宋体" panose="02010600030101010101" pitchFamily="2" charset="-122"/>
               </a:rPr>
-              <a:t>类型安全检测机制</a:t>
-            </a:r>
-            <a:r>
-              <a:rPr lang="en-US" altLang="zh-CN" sz="1600">
+              <a:t>编译时类型安全检测机制</a:t>
+            </a:r>
+            <a:r>
+              <a:rPr lang="en-US" altLang="zh-CN">
                 <a:latin typeface="宋体" panose="02010600030101010101" pitchFamily="2" charset="-122"/>
                 <a:ea typeface="宋体" panose="02010600030101010101" pitchFamily="2" charset="-122"/>
                 <a:cs typeface="宋体" panose="02010600030101010101" pitchFamily="2" charset="-122"/>
               </a:rPr>
               <a:t>，该机制允许程序员在编译时检测到非法的类型。</a:t>
             </a:r>
-            <a:endParaRPr lang="en-US" altLang="zh-CN" sz="1600">
+            <a:endParaRPr lang="en-US" altLang="zh-CN">
               <a:latin typeface="宋体" panose="02010600030101010101" pitchFamily="2" charset="-122"/>
               <a:ea typeface="宋体" panose="02010600030101010101" pitchFamily="2" charset="-122"/>
               <a:cs typeface="宋体" panose="02010600030101010101" pitchFamily="2" charset="-122"/>
@@ -7285,21 +8772,27 @@
           </a:p>
           <a:p>
             <a:r>
-              <a:rPr lang="en-US" altLang="zh-CN" sz="1600">
+              <a:rPr lang="en-US" altLang="zh-CN" sz="2000" b="1">
+                <a:solidFill>
+                  <a:srgbClr val="36A44E"/>
+                </a:solidFill>
                 <a:latin typeface="宋体" panose="02010600030101010101" pitchFamily="2" charset="-122"/>
                 <a:ea typeface="宋体" panose="02010600030101010101" pitchFamily="2" charset="-122"/>
                 <a:cs typeface="宋体" panose="02010600030101010101" pitchFamily="2" charset="-122"/>
               </a:rPr>
               <a:t>泛型的本质是参数化类型，也就是说所操作的数据类型被指定为一个参数。</a:t>
             </a:r>
-            <a:endParaRPr lang="en-US" altLang="zh-CN" sz="1600">
+            <a:endParaRPr lang="en-US" altLang="zh-CN" sz="2000" b="1">
+              <a:solidFill>
+                <a:srgbClr val="36A44E"/>
+              </a:solidFill>
               <a:latin typeface="宋体" panose="02010600030101010101" pitchFamily="2" charset="-122"/>
               <a:ea typeface="宋体" panose="02010600030101010101" pitchFamily="2" charset="-122"/>
               <a:cs typeface="宋体" panose="02010600030101010101" pitchFamily="2" charset="-122"/>
             </a:endParaRPr>
           </a:p>
           <a:p>
-            <a:endParaRPr lang="en-US" altLang="zh-CN" sz="1600">
+            <a:endParaRPr lang="en-US" altLang="zh-CN">
               <a:latin typeface="宋体" panose="02010600030101010101" pitchFamily="2" charset="-122"/>
               <a:ea typeface="宋体" panose="02010600030101010101" pitchFamily="2" charset="-122"/>
               <a:cs typeface="宋体" panose="02010600030101010101" pitchFamily="2" charset="-122"/>
@@ -7307,14 +8800,14 @@
           </a:p>
           <a:p>
             <a:r>
-              <a:rPr lang="zh-CN" altLang="en-US" sz="1600">
+              <a:rPr lang="zh-CN" altLang="en-US">
                 <a:latin typeface="宋体" panose="02010600030101010101" pitchFamily="2" charset="-122"/>
                 <a:ea typeface="宋体" panose="02010600030101010101" pitchFamily="2" charset="-122"/>
                 <a:cs typeface="宋体" panose="02010600030101010101" pitchFamily="2" charset="-122"/>
               </a:rPr>
               <a:t>为什么需要泛型？</a:t>
             </a:r>
-            <a:endParaRPr lang="en-US" altLang="zh-CN" sz="1600">
+            <a:endParaRPr lang="en-US" altLang="zh-CN">
               <a:latin typeface="宋体" panose="02010600030101010101" pitchFamily="2" charset="-122"/>
               <a:ea typeface="宋体" panose="02010600030101010101" pitchFamily="2" charset="-122"/>
               <a:cs typeface="宋体" panose="02010600030101010101" pitchFamily="2" charset="-122"/>
@@ -7322,7 +8815,7 @@
           </a:p>
           <a:p>
             <a:r>
-              <a:rPr lang="en-US" altLang="zh-CN" sz="1600">
+              <a:rPr lang="en-US" altLang="zh-CN">
                 <a:latin typeface="宋体" panose="02010600030101010101" pitchFamily="2" charset="-122"/>
                 <a:ea typeface="宋体" panose="02010600030101010101" pitchFamily="2" charset="-122"/>
                 <a:cs typeface="宋体" panose="02010600030101010101" pitchFamily="2" charset="-122"/>
@@ -7331,7 +8824,7 @@
               <a:t>1，</a:t>
             </a:r>
             <a:r>
-              <a:rPr lang="en-US" altLang="zh-CN" sz="1600">
+              <a:rPr lang="en-US" altLang="zh-CN">
                 <a:solidFill>
                   <a:srgbClr val="FF0000"/>
                 </a:solidFill>
@@ -7343,7 +8836,7 @@
               <a:t>类型安全。</a:t>
             </a:r>
             <a:r>
-              <a:rPr lang="en-US" altLang="zh-CN" sz="1600">
+              <a:rPr lang="en-US" altLang="zh-CN">
                 <a:latin typeface="宋体" panose="02010600030101010101" pitchFamily="2" charset="-122"/>
                 <a:ea typeface="宋体" panose="02010600030101010101" pitchFamily="2" charset="-122"/>
                 <a:cs typeface="宋体" panose="02010600030101010101" pitchFamily="2" charset="-122"/>
@@ -7351,7 +8844,7 @@
               </a:rPr>
               <a:t> 泛型的主要目标是提高 Java 程序的类型安全。通过知道使用泛型定义的变量的类型限制，编译器可以在一个高得多的程度上验证类型假设。</a:t>
             </a:r>
-            <a:endParaRPr lang="en-US" altLang="zh-CN" sz="1600">
+            <a:endParaRPr lang="en-US" altLang="zh-CN">
               <a:latin typeface="宋体" panose="02010600030101010101" pitchFamily="2" charset="-122"/>
               <a:ea typeface="宋体" panose="02010600030101010101" pitchFamily="2" charset="-122"/>
               <a:cs typeface="宋体" panose="02010600030101010101" pitchFamily="2" charset="-122"/>
@@ -7360,7 +8853,7 @@
           </a:p>
           <a:p>
             <a:r>
-              <a:rPr lang="en-US" altLang="zh-CN" sz="1600" b="1">
+              <a:rPr lang="en-US" altLang="zh-CN" b="1">
                 <a:solidFill>
                   <a:schemeClr val="accent1"/>
                 </a:solidFill>
@@ -7372,7 +8865,7 @@
               <a:t>没有泛型，这些假设就只存在于程序员的头脑中（或者如果幸运的话，还存在于代码注释中）。</a:t>
             </a:r>
             <a:r>
-              <a:rPr lang="en-US" altLang="zh-CN" sz="1600">
+              <a:rPr lang="en-US" altLang="zh-CN">
                 <a:latin typeface="宋体" panose="02010600030101010101" pitchFamily="2" charset="-122"/>
                 <a:ea typeface="宋体" panose="02010600030101010101" pitchFamily="2" charset="-122"/>
                 <a:cs typeface="宋体" panose="02010600030101010101" pitchFamily="2" charset="-122"/>
@@ -7380,7 +8873,7 @@
               </a:rPr>
               <a:t> </a:t>
             </a:r>
-            <a:endParaRPr lang="en-US" altLang="zh-CN" sz="1600">
+            <a:endParaRPr lang="en-US" altLang="zh-CN">
               <a:latin typeface="宋体" panose="02010600030101010101" pitchFamily="2" charset="-122"/>
               <a:ea typeface="宋体" panose="02010600030101010101" pitchFamily="2" charset="-122"/>
               <a:cs typeface="宋体" panose="02010600030101010101" pitchFamily="2" charset="-122"/>
@@ -7389,7 +8882,7 @@
           </a:p>
           <a:p>
             <a:r>
-              <a:rPr lang="en-US" altLang="zh-CN" sz="1600">
+              <a:rPr lang="en-US" altLang="zh-CN">
                 <a:latin typeface="宋体" panose="02010600030101010101" pitchFamily="2" charset="-122"/>
                 <a:ea typeface="宋体" panose="02010600030101010101" pitchFamily="2" charset="-122"/>
                 <a:cs typeface="宋体" panose="02010600030101010101" pitchFamily="2" charset="-122"/>
@@ -7398,7 +8891,7 @@
               <a:t>2，</a:t>
             </a:r>
             <a:r>
-              <a:rPr lang="en-US" altLang="zh-CN" sz="1600">
+              <a:rPr lang="en-US" altLang="zh-CN">
                 <a:solidFill>
                   <a:srgbClr val="FF0000"/>
                 </a:solidFill>
@@ -7410,7 +8903,7 @@
               <a:t>消除强制类型转换。</a:t>
             </a:r>
             <a:r>
-              <a:rPr lang="en-US" altLang="zh-CN" sz="1600">
+              <a:rPr lang="en-US" altLang="zh-CN">
                 <a:latin typeface="宋体" panose="02010600030101010101" pitchFamily="2" charset="-122"/>
                 <a:ea typeface="宋体" panose="02010600030101010101" pitchFamily="2" charset="-122"/>
                 <a:cs typeface="宋体" panose="02010600030101010101" pitchFamily="2" charset="-122"/>
@@ -7418,7 +8911,7 @@
               </a:rPr>
               <a:t> 泛型的一个附带好处是，消除源代码中的许多强制类型转换。这使得代码更加可读，并且减少了出错机会。</a:t>
             </a:r>
-            <a:endParaRPr lang="en-US" altLang="zh-CN" sz="1600">
+            <a:endParaRPr lang="en-US" altLang="zh-CN">
               <a:latin typeface="宋体" panose="02010600030101010101" pitchFamily="2" charset="-122"/>
               <a:ea typeface="宋体" panose="02010600030101010101" pitchFamily="2" charset="-122"/>
               <a:cs typeface="宋体" panose="02010600030101010101" pitchFamily="2" charset="-122"/>
@@ -7427,7 +8920,7 @@
           </a:p>
           <a:p>
             <a:r>
-              <a:rPr lang="en-US" altLang="zh-CN" sz="1600">
+              <a:rPr lang="en-US" altLang="zh-CN">
                 <a:latin typeface="宋体" panose="02010600030101010101" pitchFamily="2" charset="-122"/>
                 <a:ea typeface="宋体" panose="02010600030101010101" pitchFamily="2" charset="-122"/>
                 <a:cs typeface="宋体" panose="02010600030101010101" pitchFamily="2" charset="-122"/>
@@ -7436,7 +8929,7 @@
               <a:t>3，</a:t>
             </a:r>
             <a:r>
-              <a:rPr lang="en-US" altLang="zh-CN" sz="1600">
+              <a:rPr lang="en-US" altLang="zh-CN">
                 <a:solidFill>
                   <a:srgbClr val="FF0000"/>
                 </a:solidFill>
@@ -7448,7 +8941,7 @@
               <a:t>潜在的性能收益。</a:t>
             </a:r>
             <a:r>
-              <a:rPr lang="en-US" altLang="zh-CN" sz="1600">
+              <a:rPr lang="en-US" altLang="zh-CN">
                 <a:latin typeface="宋体" panose="02010600030101010101" pitchFamily="2" charset="-122"/>
                 <a:ea typeface="宋体" panose="02010600030101010101" pitchFamily="2" charset="-122"/>
                 <a:cs typeface="宋体" panose="02010600030101010101" pitchFamily="2" charset="-122"/>
@@ -7456,7 +8949,7 @@
               </a:rPr>
               <a:t> 泛型为较大的优化带来可能。在泛型的初始实现中，编译器将强制类型转换（没有泛型的话，程序员会指定这些强制类型转换）插入生成的字节码中。</a:t>
             </a:r>
-            <a:endParaRPr lang="en-US" altLang="zh-CN" sz="1600">
+            <a:endParaRPr lang="en-US" altLang="zh-CN">
               <a:latin typeface="宋体" panose="02010600030101010101" pitchFamily="2" charset="-122"/>
               <a:ea typeface="宋体" panose="02010600030101010101" pitchFamily="2" charset="-122"/>
               <a:cs typeface="宋体" panose="02010600030101010101" pitchFamily="2" charset="-122"/>
@@ -7464,7 +8957,7 @@
             </a:endParaRPr>
           </a:p>
           <a:p>
-            <a:endParaRPr lang="zh-CN" altLang="en-US" sz="1600" dirty="0" smtClean="0">
+            <a:endParaRPr lang="zh-CN" altLang="en-US" dirty="0" smtClean="0">
               <a:solidFill>
                 <a:srgbClr val="FF0000"/>
               </a:solidFill>
@@ -7476,7 +8969,7 @@
           </a:p>
           <a:p>
             <a:r>
-              <a:rPr lang="en-US" altLang="zh-CN" sz="1600">
+              <a:rPr lang="en-US" altLang="zh-CN">
                 <a:latin typeface="宋体" panose="02010600030101010101" pitchFamily="2" charset="-122"/>
                 <a:ea typeface="宋体" panose="02010600030101010101" pitchFamily="2" charset="-122"/>
                 <a:cs typeface="宋体" panose="02010600030101010101" pitchFamily="2" charset="-122"/>
@@ -7484,7 +8977,7 @@
               </a:rPr>
               <a:t>促成泛型出现的最主要的动机之一是为了创建集合类，参见 集合 章节。集合用于存放要使用到的对象。数组也是如此，不过集合比数组更加灵活，功能更丰富。几乎所有程序在运行过程中都会涉及到一组对象，因此集合是可复用性最高的类库之一。</a:t>
             </a:r>
-            <a:endParaRPr lang="en-US" altLang="zh-CN" sz="1600">
+            <a:endParaRPr lang="en-US" altLang="zh-CN">
               <a:latin typeface="宋体" panose="02010600030101010101" pitchFamily="2" charset="-122"/>
               <a:ea typeface="宋体" panose="02010600030101010101" pitchFamily="2" charset="-122"/>
               <a:cs typeface="宋体" panose="02010600030101010101" pitchFamily="2" charset="-122"/>
@@ -7492,7 +8985,7 @@
             </a:endParaRPr>
           </a:p>
           <a:p>
-            <a:endParaRPr lang="en-US" altLang="zh-CN" sz="1600">
+            <a:endParaRPr lang="en-US" altLang="zh-CN">
               <a:latin typeface="宋体" panose="02010600030101010101" pitchFamily="2" charset="-122"/>
               <a:ea typeface="宋体" panose="02010600030101010101" pitchFamily="2" charset="-122"/>
               <a:cs typeface="宋体" panose="02010600030101010101" pitchFamily="2" charset="-122"/>
@@ -7501,7 +8994,7 @@
           </a:p>
           <a:p>
             <a:r>
-              <a:rPr lang="en-US" altLang="zh-CN" sz="1600">
+              <a:rPr lang="en-US" altLang="zh-CN">
                 <a:latin typeface="宋体" panose="02010600030101010101" pitchFamily="2" charset="-122"/>
                 <a:ea typeface="宋体" panose="02010600030101010101" pitchFamily="2" charset="-122"/>
                 <a:cs typeface="宋体" panose="02010600030101010101" pitchFamily="2" charset="-122"/>
@@ -7509,7 +9002,7 @@
               </a:rPr>
               <a:t>泛型的本质是参数化类型，也就是说所操作的数据类型被指定为一个参数。这种参数类型可以用在类、接口和方法的创建中，分别称为泛型类、泛型接口、泛型方法。Java语言引入泛型的好处是安全简单。</a:t>
             </a:r>
-            <a:endParaRPr lang="en-US" altLang="zh-CN" sz="1600">
+            <a:endParaRPr lang="en-US" altLang="zh-CN">
               <a:latin typeface="宋体" panose="02010600030101010101" pitchFamily="2" charset="-122"/>
               <a:ea typeface="宋体" panose="02010600030101010101" pitchFamily="2" charset="-122"/>
               <a:cs typeface="宋体" panose="02010600030101010101" pitchFamily="2" charset="-122"/>
@@ -7518,70 +9011,6 @@
           </a:p>
         </p:txBody>
       </p:sp>
-    </p:spTree>
-    <p:custDataLst>
-      <p:tags r:id="rId2"/>
-    </p:custDataLst>
-  </p:cSld>
-  <p:clrMapOvr>
-    <a:masterClrMapping/>
-  </p:clrMapOvr>
-</p:sld>
-</file>
-
-<file path=ppt/slides/slide20.xml><?xml version="1.0" encoding="utf-8"?>
-<p:sld xmlns:a="http://schemas.openxmlformats.org/drawingml/2006/main" xmlns:r="http://schemas.openxmlformats.org/officeDocument/2006/relationships" xmlns:p="http://schemas.openxmlformats.org/presentationml/2006/main">
-  <p:cSld>
-    <p:bg>
-      <p:bgPr>
-        <a:blipFill rotWithShape="1">
-          <a:blip r:embed="rId1"/>
-          <a:stretch>
-            <a:fillRect/>
-          </a:stretch>
-        </a:blipFill>
-        <a:effectLst/>
-      </p:bgPr>
-    </p:bg>
-    <p:spTree>
-      <p:nvGrpSpPr>
-        <p:cNvPr id="1" name=""/>
-        <p:cNvGrpSpPr/>
-        <p:nvPr/>
-      </p:nvGrpSpPr>
-      <p:grpSpPr/>
-    </p:spTree>
-    <p:custDataLst>
-      <p:tags r:id="rId2"/>
-    </p:custDataLst>
-  </p:cSld>
-  <p:clrMapOvr>
-    <a:masterClrMapping/>
-  </p:clrMapOvr>
-</p:sld>
-</file>
-
-<file path=ppt/slides/slide21.xml><?xml version="1.0" encoding="utf-8"?>
-<p:sld xmlns:a="http://schemas.openxmlformats.org/drawingml/2006/main" xmlns:r="http://schemas.openxmlformats.org/officeDocument/2006/relationships" xmlns:p="http://schemas.openxmlformats.org/presentationml/2006/main">
-  <p:cSld>
-    <p:bg>
-      <p:bgPr>
-        <a:blipFill rotWithShape="1">
-          <a:blip r:embed="rId1"/>
-          <a:stretch>
-            <a:fillRect/>
-          </a:stretch>
-        </a:blipFill>
-        <a:effectLst/>
-      </p:bgPr>
-    </p:bg>
-    <p:spTree>
-      <p:nvGrpSpPr>
-        <p:cNvPr id="1" name=""/>
-        <p:cNvGrpSpPr/>
-        <p:nvPr/>
-      </p:nvGrpSpPr>
-      <p:grpSpPr/>
     </p:spTree>
     <p:custDataLst>
       <p:tags r:id="rId2"/>
@@ -7623,7 +9052,7 @@
         <p:spPr>
           <a:xfrm>
             <a:off x="220980" y="919480"/>
-            <a:ext cx="11721465" cy="2553335"/>
+            <a:ext cx="11721465" cy="2861310"/>
           </a:xfrm>
           <a:prstGeom prst="rect">
             <a:avLst/>
@@ -7636,14 +9065,14 @@
           </a:bodyPr>
           <a:p>
             <a:r>
-              <a:rPr lang="zh-CN" altLang="en-US" sz="1600">
+              <a:rPr lang="zh-CN" altLang="en-US">
                 <a:latin typeface="宋体" panose="02010600030101010101" pitchFamily="2" charset="-122"/>
                 <a:ea typeface="宋体" panose="02010600030101010101" pitchFamily="2" charset="-122"/>
                 <a:cs typeface="宋体" panose="02010600030101010101" pitchFamily="2" charset="-122"/>
               </a:rPr>
               <a:t>下来说说泛型通配符T，E，K，V区别</a:t>
             </a:r>
-            <a:endParaRPr lang="zh-CN" altLang="en-US" sz="1600">
+            <a:endParaRPr lang="zh-CN" altLang="en-US">
               <a:latin typeface="宋体" panose="02010600030101010101" pitchFamily="2" charset="-122"/>
               <a:ea typeface="宋体" panose="02010600030101010101" pitchFamily="2" charset="-122"/>
               <a:cs typeface="宋体" panose="02010600030101010101" pitchFamily="2" charset="-122"/>
@@ -7651,21 +9080,21 @@
           </a:p>
           <a:p>
             <a:r>
-              <a:rPr lang="zh-CN" altLang="en-US" sz="1600">
+              <a:rPr lang="zh-CN" altLang="en-US">
                 <a:latin typeface="宋体" panose="02010600030101010101" pitchFamily="2" charset="-122"/>
                 <a:ea typeface="宋体" panose="02010600030101010101" pitchFamily="2" charset="-122"/>
                 <a:cs typeface="宋体" panose="02010600030101010101" pitchFamily="2" charset="-122"/>
               </a:rPr>
               <a:t>这些全都属于java泛型的通配符，刚开始我看到这么多通配符，一下晕了，这几个其实没什么区别，只不过是一个约定好的代码，也就是说</a:t>
             </a:r>
-            <a:endParaRPr lang="zh-CN" altLang="en-US" sz="1600">
+            <a:endParaRPr lang="zh-CN" altLang="en-US">
               <a:latin typeface="宋体" panose="02010600030101010101" pitchFamily="2" charset="-122"/>
               <a:ea typeface="宋体" panose="02010600030101010101" pitchFamily="2" charset="-122"/>
               <a:cs typeface="宋体" panose="02010600030101010101" pitchFamily="2" charset="-122"/>
             </a:endParaRPr>
           </a:p>
           <a:p>
-            <a:endParaRPr lang="zh-CN" altLang="en-US" sz="1600">
+            <a:endParaRPr lang="zh-CN" altLang="en-US">
               <a:latin typeface="宋体" panose="02010600030101010101" pitchFamily="2" charset="-122"/>
               <a:ea typeface="宋体" panose="02010600030101010101" pitchFamily="2" charset="-122"/>
               <a:cs typeface="宋体" panose="02010600030101010101" pitchFamily="2" charset="-122"/>
@@ -7673,21 +9102,21 @@
           </a:p>
           <a:p>
             <a:r>
-              <a:rPr lang="zh-CN" altLang="en-US" sz="1600">
+              <a:rPr lang="zh-CN" altLang="en-US">
                 <a:latin typeface="宋体" panose="02010600030101010101" pitchFamily="2" charset="-122"/>
                 <a:ea typeface="宋体" panose="02010600030101010101" pitchFamily="2" charset="-122"/>
                 <a:cs typeface="宋体" panose="02010600030101010101" pitchFamily="2" charset="-122"/>
               </a:rPr>
               <a:t>使用大写字母A,B,C,D......X,Y,Z定义的，就都是泛型，把T换成A也一样，这里T只是名字上的意义而已</a:t>
             </a:r>
-            <a:endParaRPr lang="zh-CN" altLang="en-US" sz="1600">
+            <a:endParaRPr lang="zh-CN" altLang="en-US">
               <a:latin typeface="宋体" panose="02010600030101010101" pitchFamily="2" charset="-122"/>
               <a:ea typeface="宋体" panose="02010600030101010101" pitchFamily="2" charset="-122"/>
               <a:cs typeface="宋体" panose="02010600030101010101" pitchFamily="2" charset="-122"/>
             </a:endParaRPr>
           </a:p>
           <a:p>
-            <a:endParaRPr lang="zh-CN" altLang="en-US" sz="1600">
+            <a:endParaRPr lang="zh-CN" altLang="en-US">
               <a:latin typeface="宋体" panose="02010600030101010101" pitchFamily="2" charset="-122"/>
               <a:ea typeface="宋体" panose="02010600030101010101" pitchFamily="2" charset="-122"/>
               <a:cs typeface="宋体" panose="02010600030101010101" pitchFamily="2" charset="-122"/>
@@ -7695,14 +9124,14 @@
           </a:p>
           <a:p>
             <a:r>
-              <a:rPr lang="zh-CN" altLang="en-US" sz="1600">
+              <a:rPr lang="zh-CN" altLang="en-US">
                 <a:latin typeface="宋体" panose="02010600030101010101" pitchFamily="2" charset="-122"/>
                 <a:ea typeface="宋体" panose="02010600030101010101" pitchFamily="2" charset="-122"/>
                 <a:cs typeface="宋体" panose="02010600030101010101" pitchFamily="2" charset="-122"/>
               </a:rPr>
               <a:t>？ 表示不确定的java类型</a:t>
             </a:r>
-            <a:endParaRPr lang="zh-CN" altLang="en-US" sz="1600">
+            <a:endParaRPr lang="zh-CN" altLang="en-US">
               <a:latin typeface="宋体" panose="02010600030101010101" pitchFamily="2" charset="-122"/>
               <a:ea typeface="宋体" panose="02010600030101010101" pitchFamily="2" charset="-122"/>
               <a:cs typeface="宋体" panose="02010600030101010101" pitchFamily="2" charset="-122"/>
@@ -7710,14 +9139,14 @@
           </a:p>
           <a:p>
             <a:r>
-              <a:rPr lang="zh-CN" altLang="en-US" sz="1600">
+              <a:rPr lang="zh-CN" altLang="en-US">
                 <a:latin typeface="宋体" panose="02010600030101010101" pitchFamily="2" charset="-122"/>
                 <a:ea typeface="宋体" panose="02010600030101010101" pitchFamily="2" charset="-122"/>
                 <a:cs typeface="宋体" panose="02010600030101010101" pitchFamily="2" charset="-122"/>
               </a:rPr>
               <a:t>T (type) 表示具体的一个java类型</a:t>
             </a:r>
-            <a:endParaRPr lang="zh-CN" altLang="en-US" sz="1600">
+            <a:endParaRPr lang="zh-CN" altLang="en-US">
               <a:latin typeface="宋体" panose="02010600030101010101" pitchFamily="2" charset="-122"/>
               <a:ea typeface="宋体" panose="02010600030101010101" pitchFamily="2" charset="-122"/>
               <a:cs typeface="宋体" panose="02010600030101010101" pitchFamily="2" charset="-122"/>
@@ -7725,14 +9154,14 @@
           </a:p>
           <a:p>
             <a:r>
-              <a:rPr lang="zh-CN" altLang="en-US" sz="1600">
+              <a:rPr lang="zh-CN" altLang="en-US">
                 <a:latin typeface="宋体" panose="02010600030101010101" pitchFamily="2" charset="-122"/>
                 <a:ea typeface="宋体" panose="02010600030101010101" pitchFamily="2" charset="-122"/>
                 <a:cs typeface="宋体" panose="02010600030101010101" pitchFamily="2" charset="-122"/>
               </a:rPr>
               <a:t>K V (key value) 分别代表java键值中的Key Value</a:t>
             </a:r>
-            <a:endParaRPr lang="zh-CN" altLang="en-US" sz="1600">
+            <a:endParaRPr lang="zh-CN" altLang="en-US">
               <a:latin typeface="宋体" panose="02010600030101010101" pitchFamily="2" charset="-122"/>
               <a:ea typeface="宋体" panose="02010600030101010101" pitchFamily="2" charset="-122"/>
               <a:cs typeface="宋体" panose="02010600030101010101" pitchFamily="2" charset="-122"/>
@@ -7740,14 +9169,14 @@
           </a:p>
           <a:p>
             <a:r>
-              <a:rPr lang="zh-CN" altLang="en-US" sz="1600">
+              <a:rPr lang="zh-CN" altLang="en-US">
                 <a:latin typeface="宋体" panose="02010600030101010101" pitchFamily="2" charset="-122"/>
                 <a:ea typeface="宋体" panose="02010600030101010101" pitchFamily="2" charset="-122"/>
                 <a:cs typeface="宋体" panose="02010600030101010101" pitchFamily="2" charset="-122"/>
               </a:rPr>
               <a:t>E (element) 代表Element</a:t>
             </a:r>
-            <a:endParaRPr lang="zh-CN" altLang="en-US" sz="1600">
+            <a:endParaRPr lang="zh-CN" altLang="en-US">
               <a:latin typeface="宋体" panose="02010600030101010101" pitchFamily="2" charset="-122"/>
               <a:ea typeface="宋体" panose="02010600030101010101" pitchFamily="2" charset="-122"/>
               <a:cs typeface="宋体" panose="02010600030101010101" pitchFamily="2" charset="-122"/>
@@ -7771,7 +9200,7 @@
         </p:blipFill>
         <p:spPr>
           <a:xfrm>
-            <a:off x="5432425" y="2830195"/>
+            <a:off x="5565775" y="2868295"/>
             <a:ext cx="6598920" cy="3893820"/>
           </a:xfrm>
           <a:prstGeom prst="rect">
@@ -7820,7 +9249,7 @@
         <p:spPr>
           <a:xfrm>
             <a:off x="220980" y="782955"/>
-            <a:ext cx="11793855" cy="3784600"/>
+            <a:ext cx="11793855" cy="4246245"/>
           </a:xfrm>
           <a:prstGeom prst="rect">
             <a:avLst/>
@@ -7833,14 +9262,14 @@
           </a:bodyPr>
           <a:p>
             <a:r>
-              <a:rPr lang="zh-CN" altLang="en-US" sz="1600">
+              <a:rPr lang="zh-CN" altLang="en-US">
                 <a:latin typeface="宋体" panose="02010600030101010101" pitchFamily="2" charset="-122"/>
                 <a:ea typeface="宋体" panose="02010600030101010101" pitchFamily="2" charset="-122"/>
                 <a:cs typeface="宋体" panose="02010600030101010101" pitchFamily="2" charset="-122"/>
               </a:rPr>
               <a:t>   泛型在使用中还有一些规则和限制：</a:t>
             </a:r>
-            <a:endParaRPr lang="zh-CN" altLang="en-US" sz="1600">
+            <a:endParaRPr lang="zh-CN" altLang="en-US">
               <a:latin typeface="宋体" panose="02010600030101010101" pitchFamily="2" charset="-122"/>
               <a:ea typeface="宋体" panose="02010600030101010101" pitchFamily="2" charset="-122"/>
               <a:cs typeface="宋体" panose="02010600030101010101" pitchFamily="2" charset="-122"/>
@@ -7848,14 +9277,14 @@
           </a:p>
           <a:p>
             <a:r>
-              <a:rPr lang="zh-CN" altLang="en-US" sz="1600">
+              <a:rPr lang="zh-CN" altLang="en-US">
                 <a:latin typeface="宋体" panose="02010600030101010101" pitchFamily="2" charset="-122"/>
                 <a:ea typeface="宋体" panose="02010600030101010101" pitchFamily="2" charset="-122"/>
                 <a:cs typeface="宋体" panose="02010600030101010101" pitchFamily="2" charset="-122"/>
               </a:rPr>
               <a:t>    1、泛型的类型参数只能是类类型（包括自定义类），不能是简单类型（基本类型改用包装类型）。</a:t>
             </a:r>
-            <a:endParaRPr lang="zh-CN" altLang="en-US" sz="1600">
+            <a:endParaRPr lang="zh-CN" altLang="en-US">
               <a:latin typeface="宋体" panose="02010600030101010101" pitchFamily="2" charset="-122"/>
               <a:ea typeface="宋体" panose="02010600030101010101" pitchFamily="2" charset="-122"/>
               <a:cs typeface="宋体" panose="02010600030101010101" pitchFamily="2" charset="-122"/>
@@ -7863,14 +9292,14 @@
           </a:p>
           <a:p>
             <a:r>
-              <a:rPr lang="zh-CN" altLang="en-US" sz="1600">
+              <a:rPr lang="zh-CN" altLang="en-US">
                 <a:latin typeface="宋体" panose="02010600030101010101" pitchFamily="2" charset="-122"/>
                 <a:ea typeface="宋体" panose="02010600030101010101" pitchFamily="2" charset="-122"/>
                 <a:cs typeface="宋体" panose="02010600030101010101" pitchFamily="2" charset="-122"/>
               </a:rPr>
               <a:t>    2、同一种泛型可以对应多个版本（因为参数类型是不确定的），不同版本的泛型类实例是不兼容的。</a:t>
             </a:r>
-            <a:endParaRPr lang="zh-CN" altLang="en-US" sz="1600">
+            <a:endParaRPr lang="zh-CN" altLang="en-US">
               <a:latin typeface="宋体" panose="02010600030101010101" pitchFamily="2" charset="-122"/>
               <a:ea typeface="宋体" panose="02010600030101010101" pitchFamily="2" charset="-122"/>
               <a:cs typeface="宋体" panose="02010600030101010101" pitchFamily="2" charset="-122"/>
@@ -7878,14 +9307,14 @@
           </a:p>
           <a:p>
             <a:r>
-              <a:rPr lang="zh-CN" altLang="en-US" sz="1600">
+              <a:rPr lang="zh-CN" altLang="en-US">
                 <a:latin typeface="宋体" panose="02010600030101010101" pitchFamily="2" charset="-122"/>
                 <a:ea typeface="宋体" panose="02010600030101010101" pitchFamily="2" charset="-122"/>
                 <a:cs typeface="宋体" panose="02010600030101010101" pitchFamily="2" charset="-122"/>
               </a:rPr>
               <a:t>    3、泛型的类型参数可以有多个。</a:t>
             </a:r>
-            <a:endParaRPr lang="zh-CN" altLang="en-US" sz="1600">
+            <a:endParaRPr lang="zh-CN" altLang="en-US">
               <a:latin typeface="宋体" panose="02010600030101010101" pitchFamily="2" charset="-122"/>
               <a:ea typeface="宋体" panose="02010600030101010101" pitchFamily="2" charset="-122"/>
               <a:cs typeface="宋体" panose="02010600030101010101" pitchFamily="2" charset="-122"/>
@@ -7893,14 +9322,14 @@
           </a:p>
           <a:p>
             <a:r>
-              <a:rPr lang="zh-CN" altLang="en-US" sz="1600">
+              <a:rPr lang="zh-CN" altLang="en-US">
                 <a:latin typeface="宋体" panose="02010600030101010101" pitchFamily="2" charset="-122"/>
                 <a:ea typeface="宋体" panose="02010600030101010101" pitchFamily="2" charset="-122"/>
                 <a:cs typeface="宋体" panose="02010600030101010101" pitchFamily="2" charset="-122"/>
               </a:rPr>
               <a:t>    4、泛型的参数类型可以使用extends语句，例如&lt;T extends superclass&gt;。习惯上成为“有界类型”。</a:t>
             </a:r>
-            <a:endParaRPr lang="zh-CN" altLang="en-US" sz="1600">
+            <a:endParaRPr lang="zh-CN" altLang="en-US">
               <a:latin typeface="宋体" panose="02010600030101010101" pitchFamily="2" charset="-122"/>
               <a:ea typeface="宋体" panose="02010600030101010101" pitchFamily="2" charset="-122"/>
               <a:cs typeface="宋体" panose="02010600030101010101" pitchFamily="2" charset="-122"/>
@@ -7908,28 +9337,28 @@
           </a:p>
           <a:p>
             <a:r>
-              <a:rPr lang="zh-CN" altLang="en-US" sz="1600">
+              <a:rPr lang="zh-CN" altLang="en-US">
                 <a:latin typeface="宋体" panose="02010600030101010101" pitchFamily="2" charset="-122"/>
                 <a:ea typeface="宋体" panose="02010600030101010101" pitchFamily="2" charset="-122"/>
                 <a:cs typeface="宋体" panose="02010600030101010101" pitchFamily="2" charset="-122"/>
               </a:rPr>
               <a:t>    5、泛型的参数类型还可以是通配符类型。例如Class&lt;?&gt; classType = Class.forName(Java.lang.String);</a:t>
             </a:r>
-            <a:endParaRPr lang="zh-CN" altLang="en-US" sz="1600">
+            <a:endParaRPr lang="zh-CN" altLang="en-US">
               <a:latin typeface="宋体" panose="02010600030101010101" pitchFamily="2" charset="-122"/>
               <a:ea typeface="宋体" panose="02010600030101010101" pitchFamily="2" charset="-122"/>
               <a:cs typeface="宋体" panose="02010600030101010101" pitchFamily="2" charset="-122"/>
             </a:endParaRPr>
           </a:p>
           <a:p>
-            <a:endParaRPr lang="zh-CN" altLang="en-US" sz="1600">
+            <a:endParaRPr lang="zh-CN" altLang="en-US">
               <a:latin typeface="宋体" panose="02010600030101010101" pitchFamily="2" charset="-122"/>
               <a:ea typeface="宋体" panose="02010600030101010101" pitchFamily="2" charset="-122"/>
               <a:cs typeface="宋体" panose="02010600030101010101" pitchFamily="2" charset="-122"/>
             </a:endParaRPr>
           </a:p>
           <a:p>
-            <a:endParaRPr lang="zh-CN" altLang="en-US" sz="1600">
+            <a:endParaRPr lang="zh-CN" altLang="en-US">
               <a:latin typeface="宋体" panose="02010600030101010101" pitchFamily="2" charset="-122"/>
               <a:ea typeface="宋体" panose="02010600030101010101" pitchFamily="2" charset="-122"/>
               <a:cs typeface="宋体" panose="02010600030101010101" pitchFamily="2" charset="-122"/>
@@ -7937,14 +9366,14 @@
           </a:p>
           <a:p>
             <a:r>
-              <a:rPr lang="zh-CN" altLang="en-US" sz="1600">
+              <a:rPr lang="zh-CN" altLang="en-US">
                 <a:latin typeface="宋体" panose="02010600030101010101" pitchFamily="2" charset="-122"/>
                 <a:ea typeface="宋体" panose="02010600030101010101" pitchFamily="2" charset="-122"/>
                 <a:cs typeface="宋体" panose="02010600030101010101" pitchFamily="2" charset="-122"/>
               </a:rPr>
               <a:t>泛型的使用</a:t>
             </a:r>
-            <a:endParaRPr lang="zh-CN" altLang="en-US" sz="1600">
+            <a:endParaRPr lang="zh-CN" altLang="en-US">
               <a:latin typeface="宋体" panose="02010600030101010101" pitchFamily="2" charset="-122"/>
               <a:ea typeface="宋体" panose="02010600030101010101" pitchFamily="2" charset="-122"/>
               <a:cs typeface="宋体" panose="02010600030101010101" pitchFamily="2" charset="-122"/>
@@ -7952,7 +9381,7 @@
           </a:p>
           <a:p>
             <a:r>
-              <a:rPr lang="zh-CN" altLang="en-US" sz="1600">
+              <a:rPr lang="zh-CN" altLang="en-US">
                 <a:latin typeface="宋体" panose="02010600030101010101" pitchFamily="2" charset="-122"/>
                 <a:ea typeface="宋体" panose="02010600030101010101" pitchFamily="2" charset="-122"/>
                 <a:cs typeface="宋体" panose="02010600030101010101" pitchFamily="2" charset="-122"/>
@@ -7960,7 +9389,7 @@
               <a:t>泛型的使用方式，可以在类、接口、方法中使用，分别简称之</a:t>
             </a:r>
             <a:r>
-              <a:rPr lang="zh-CN" altLang="en-US" sz="1600">
+              <a:rPr lang="zh-CN" altLang="en-US">
                 <a:solidFill>
                   <a:srgbClr val="FF0000"/>
                 </a:solidFill>
@@ -7970,7 +9399,7 @@
               </a:rPr>
               <a:t>泛型类、泛型接口、泛型方法</a:t>
             </a:r>
-            <a:endParaRPr lang="zh-CN" altLang="en-US" sz="1600">
+            <a:endParaRPr lang="zh-CN" altLang="en-US">
               <a:solidFill>
                 <a:srgbClr val="FF0000"/>
               </a:solidFill>
@@ -7980,7 +9409,7 @@
             </a:endParaRPr>
           </a:p>
           <a:p>
-            <a:endParaRPr lang="zh-CN" altLang="en-US" sz="1600">
+            <a:endParaRPr lang="zh-CN" altLang="en-US">
               <a:solidFill>
                 <a:srgbClr val="FF0000"/>
               </a:solidFill>
@@ -7991,7 +9420,7 @@
           </a:p>
           <a:p>
             <a:r>
-              <a:rPr lang="zh-CN" altLang="en-US" sz="1600">
+              <a:rPr lang="zh-CN" altLang="en-US">
                 <a:solidFill>
                   <a:srgbClr val="FF0000"/>
                 </a:solidFill>
@@ -8003,7 +9432,7 @@
               <a:t>泛型类 </a:t>
             </a:r>
             <a:r>
-              <a:rPr lang="zh-CN" altLang="en-US" sz="1600">
+              <a:rPr lang="zh-CN" altLang="en-US">
                 <a:solidFill>
                   <a:srgbClr val="FF0000"/>
                 </a:solidFill>
@@ -8013,7 +9442,7 @@
               </a:rPr>
               <a:t>public class A&lt;T&gt; </a:t>
             </a:r>
-            <a:endParaRPr lang="zh-CN" altLang="en-US" sz="1600">
+            <a:endParaRPr lang="zh-CN" altLang="en-US">
               <a:solidFill>
                 <a:srgbClr val="FF0000"/>
               </a:solidFill>
@@ -8024,7 +9453,7 @@
           </a:p>
           <a:p>
             <a:r>
-              <a:rPr lang="zh-CN" altLang="en-US" sz="1600">
+              <a:rPr lang="zh-CN" altLang="en-US">
                 <a:solidFill>
                   <a:srgbClr val="FF0000"/>
                 </a:solidFill>
@@ -8036,7 +9465,7 @@
               <a:t>泛型接口</a:t>
             </a:r>
             <a:r>
-              <a:rPr lang="zh-CN" altLang="en-US" sz="1600">
+              <a:rPr lang="zh-CN" altLang="en-US">
                 <a:solidFill>
                   <a:srgbClr val="FF0000"/>
                 </a:solidFill>
@@ -8046,7 +9475,7 @@
               </a:rPr>
               <a:t> public class ArrayList&lt;E&gt; implements List&lt;E&gt;</a:t>
             </a:r>
-            <a:endParaRPr lang="zh-CN" altLang="en-US" sz="1600">
+            <a:endParaRPr lang="zh-CN" altLang="en-US">
               <a:solidFill>
                 <a:srgbClr val="FF0000"/>
               </a:solidFill>
@@ -8057,7 +9486,7 @@
           </a:p>
           <a:p>
             <a:r>
-              <a:rPr lang="zh-CN" altLang="en-US" sz="1600">
+              <a:rPr lang="zh-CN" altLang="en-US">
                 <a:solidFill>
                   <a:srgbClr val="FF0000"/>
                 </a:solidFill>
@@ -8067,7 +9496,7 @@
               </a:rPr>
               <a:t>泛型方法 public static &lt;T&gt; void fun(T a)</a:t>
             </a:r>
-            <a:endParaRPr lang="zh-CN" altLang="en-US" sz="1600">
+            <a:endParaRPr lang="zh-CN" altLang="en-US">
               <a:solidFill>
                 <a:srgbClr val="FF0000"/>
               </a:solidFill>
@@ -8078,7 +9507,7 @@
           </a:p>
           <a:p>
             <a:r>
-              <a:rPr lang="zh-CN" altLang="en-US" sz="1600">
+              <a:rPr lang="zh-CN" altLang="en-US">
                 <a:solidFill>
                   <a:srgbClr val="FF0000"/>
                 </a:solidFill>
@@ -8089,7 +9518,7 @@
               <a:t>可变参数与范型方法 public static &lt;T&gt; </a:t>
             </a:r>
             <a:r>
-              <a:rPr lang="zh-CN" altLang="en-US" sz="1600">
+              <a:rPr lang="zh-CN" altLang="en-US">
                 <a:solidFill>
                   <a:srgbClr val="FF0000"/>
                 </a:solidFill>
@@ -8101,7 +9530,7 @@
               <a:t>void</a:t>
             </a:r>
             <a:r>
-              <a:rPr lang="zh-CN" altLang="en-US" sz="1600">
+              <a:rPr lang="zh-CN" altLang="en-US">
                 <a:solidFill>
                   <a:srgbClr val="FF0000"/>
                 </a:solidFill>
@@ -8112,7 +9541,7 @@
               <a:t> </a:t>
             </a:r>
             <a:r>
-              <a:rPr lang="en-US" altLang="zh-CN" sz="1600">
+              <a:rPr lang="en-US" altLang="zh-CN">
                 <a:solidFill>
                   <a:srgbClr val="FF0000"/>
                 </a:solidFill>
@@ -8123,7 +9552,7 @@
               <a:t>fun</a:t>
             </a:r>
             <a:r>
-              <a:rPr lang="zh-CN" altLang="en-US" sz="1600">
+              <a:rPr lang="zh-CN" altLang="en-US">
                 <a:solidFill>
                   <a:srgbClr val="FF0000"/>
                 </a:solidFill>
@@ -8133,7 +9562,7 @@
               </a:rPr>
               <a:t>(T... args)</a:t>
             </a:r>
-            <a:endParaRPr lang="zh-CN" altLang="en-US" sz="1600">
+            <a:endParaRPr lang="zh-CN" altLang="en-US">
               <a:solidFill>
                 <a:srgbClr val="FF0000"/>
               </a:solidFill>
@@ -8184,8 +9613,8 @@
         </p:nvSpPr>
         <p:spPr>
           <a:xfrm>
-            <a:off x="572770" y="1610995"/>
-            <a:ext cx="11138535" cy="2799715"/>
+            <a:off x="132080" y="1610995"/>
+            <a:ext cx="11821160" cy="3692525"/>
           </a:xfrm>
           <a:prstGeom prst="rect">
             <a:avLst/>
@@ -8198,14 +9627,14 @@
           </a:bodyPr>
           <a:p>
             <a:r>
-              <a:rPr lang="zh-CN" altLang="en-US" sz="1600">
+              <a:rPr lang="zh-CN" altLang="en-US">
                 <a:latin typeface="宋体" panose="02010600030101010101" pitchFamily="2" charset="-122"/>
                 <a:ea typeface="宋体" panose="02010600030101010101" pitchFamily="2" charset="-122"/>
                 <a:cs typeface="宋体" panose="02010600030101010101" pitchFamily="2" charset="-122"/>
               </a:rPr>
               <a:t>费波那契数列（意大利语：Successione di Fibonacci），又译为费波拿契数、斐波那契数列、费氏数列、黄金分割数列。 </a:t>
             </a:r>
-            <a:endParaRPr lang="zh-CN" altLang="en-US" sz="1600">
+            <a:endParaRPr lang="zh-CN" altLang="en-US">
               <a:latin typeface="宋体" panose="02010600030101010101" pitchFamily="2" charset="-122"/>
               <a:ea typeface="宋体" panose="02010600030101010101" pitchFamily="2" charset="-122"/>
               <a:cs typeface="宋体" panose="02010600030101010101" pitchFamily="2" charset="-122"/>
@@ -8213,56 +9642,56 @@
           </a:p>
           <a:p>
             <a:r>
-              <a:rPr lang="zh-CN" altLang="en-US" sz="1600">
+              <a:rPr lang="zh-CN" altLang="en-US">
                 <a:latin typeface="宋体" panose="02010600030101010101" pitchFamily="2" charset="-122"/>
                 <a:ea typeface="宋体" panose="02010600030101010101" pitchFamily="2" charset="-122"/>
                 <a:cs typeface="宋体" panose="02010600030101010101" pitchFamily="2" charset="-122"/>
               </a:rPr>
               <a:t>在数学上，费波那契数列是以递归的方法来定义：</a:t>
             </a:r>
-            <a:endParaRPr lang="zh-CN" altLang="en-US" sz="1600">
+            <a:endParaRPr lang="zh-CN" altLang="en-US">
               <a:latin typeface="宋体" panose="02010600030101010101" pitchFamily="2" charset="-122"/>
               <a:ea typeface="宋体" panose="02010600030101010101" pitchFamily="2" charset="-122"/>
               <a:cs typeface="宋体" panose="02010600030101010101" pitchFamily="2" charset="-122"/>
             </a:endParaRPr>
           </a:p>
           <a:p>
-            <a:endParaRPr lang="zh-CN" altLang="en-US" sz="1600">
+            <a:endParaRPr lang="zh-CN" altLang="en-US">
               <a:latin typeface="宋体" panose="02010600030101010101" pitchFamily="2" charset="-122"/>
               <a:ea typeface="宋体" panose="02010600030101010101" pitchFamily="2" charset="-122"/>
               <a:cs typeface="宋体" panose="02010600030101010101" pitchFamily="2" charset="-122"/>
             </a:endParaRPr>
           </a:p>
           <a:p>
-            <a:endParaRPr lang="zh-CN" altLang="en-US" sz="1600">
+            <a:endParaRPr lang="zh-CN" altLang="en-US">
               <a:latin typeface="宋体" panose="02010600030101010101" pitchFamily="2" charset="-122"/>
               <a:ea typeface="宋体" panose="02010600030101010101" pitchFamily="2" charset="-122"/>
               <a:cs typeface="宋体" panose="02010600030101010101" pitchFamily="2" charset="-122"/>
             </a:endParaRPr>
           </a:p>
           <a:p>
-            <a:endParaRPr lang="zh-CN" altLang="en-US" sz="1600">
+            <a:endParaRPr lang="zh-CN" altLang="en-US">
               <a:latin typeface="宋体" panose="02010600030101010101" pitchFamily="2" charset="-122"/>
               <a:ea typeface="宋体" panose="02010600030101010101" pitchFamily="2" charset="-122"/>
               <a:cs typeface="宋体" panose="02010600030101010101" pitchFamily="2" charset="-122"/>
             </a:endParaRPr>
           </a:p>
           <a:p>
-            <a:endParaRPr lang="zh-CN" altLang="en-US" sz="1600">
+            <a:endParaRPr lang="zh-CN" altLang="en-US">
               <a:latin typeface="宋体" panose="02010600030101010101" pitchFamily="2" charset="-122"/>
               <a:ea typeface="宋体" panose="02010600030101010101" pitchFamily="2" charset="-122"/>
               <a:cs typeface="宋体" panose="02010600030101010101" pitchFamily="2" charset="-122"/>
             </a:endParaRPr>
           </a:p>
           <a:p>
-            <a:endParaRPr lang="zh-CN" altLang="en-US" sz="1600">
+            <a:endParaRPr lang="zh-CN" altLang="en-US">
               <a:latin typeface="宋体" panose="02010600030101010101" pitchFamily="2" charset="-122"/>
               <a:ea typeface="宋体" panose="02010600030101010101" pitchFamily="2" charset="-122"/>
               <a:cs typeface="宋体" panose="02010600030101010101" pitchFamily="2" charset="-122"/>
             </a:endParaRPr>
           </a:p>
           <a:p>
-            <a:endParaRPr lang="zh-CN" altLang="en-US" sz="1600">
+            <a:endParaRPr lang="zh-CN" altLang="en-US">
               <a:latin typeface="宋体" panose="02010600030101010101" pitchFamily="2" charset="-122"/>
               <a:ea typeface="宋体" panose="02010600030101010101" pitchFamily="2" charset="-122"/>
               <a:cs typeface="宋体" panose="02010600030101010101" pitchFamily="2" charset="-122"/>
@@ -8270,14 +9699,14 @@
           </a:p>
           <a:p>
             <a:r>
-              <a:rPr lang="zh-CN" altLang="en-US" sz="1600">
+              <a:rPr lang="zh-CN" altLang="en-US">
                 <a:latin typeface="宋体" panose="02010600030101010101" pitchFamily="2" charset="-122"/>
                 <a:ea typeface="宋体" panose="02010600030101010101" pitchFamily="2" charset="-122"/>
                 <a:cs typeface="宋体" panose="02010600030101010101" pitchFamily="2" charset="-122"/>
               </a:rPr>
               <a:t>用文字来说，就是费波那契数列由0和1开始，之后的费波那契系数就是由之前的两数相加而得出。首几个费波那契系数是：</a:t>
             </a:r>
-            <a:endParaRPr lang="zh-CN" altLang="en-US" sz="1600">
+            <a:endParaRPr lang="zh-CN" altLang="en-US">
               <a:latin typeface="宋体" panose="02010600030101010101" pitchFamily="2" charset="-122"/>
               <a:ea typeface="宋体" panose="02010600030101010101" pitchFamily="2" charset="-122"/>
               <a:cs typeface="宋体" panose="02010600030101010101" pitchFamily="2" charset="-122"/>
@@ -8285,14 +9714,14 @@
           </a:p>
           <a:p>
             <a:r>
-              <a:rPr lang="zh-CN" altLang="en-US" sz="1600">
+              <a:rPr lang="zh-CN" altLang="en-US">
                 <a:latin typeface="宋体" panose="02010600030101010101" pitchFamily="2" charset="-122"/>
                 <a:ea typeface="宋体" panose="02010600030101010101" pitchFamily="2" charset="-122"/>
                 <a:cs typeface="宋体" panose="02010600030101010101" pitchFamily="2" charset="-122"/>
               </a:rPr>
               <a:t>0,1,1,2,3,5,8,13,21,34,55,89,144,233……（OEIS中的数列A000045）</a:t>
             </a:r>
-            <a:endParaRPr lang="zh-CN" altLang="en-US" sz="1600">
+            <a:endParaRPr lang="zh-CN" altLang="en-US">
               <a:latin typeface="宋体" panose="02010600030101010101" pitchFamily="2" charset="-122"/>
               <a:ea typeface="宋体" panose="02010600030101010101" pitchFamily="2" charset="-122"/>
               <a:cs typeface="宋体" panose="02010600030101010101" pitchFamily="2" charset="-122"/>
@@ -8300,7 +9729,7 @@
           </a:p>
           <a:p>
             <a:r>
-              <a:rPr lang="zh-CN" altLang="en-US" sz="1600">
+              <a:rPr lang="zh-CN" altLang="en-US">
                 <a:latin typeface="宋体" panose="02010600030101010101" pitchFamily="2" charset="-122"/>
                 <a:ea typeface="宋体" panose="02010600030101010101" pitchFamily="2" charset="-122"/>
                 <a:cs typeface="宋体" panose="02010600030101010101" pitchFamily="2" charset="-122"/>
@@ -8308,7 +9737,7 @@
               <a:t>特别指出：</a:t>
             </a:r>
             <a:r>
-              <a:rPr lang="zh-CN" altLang="en-US" sz="1600">
+              <a:rPr lang="zh-CN" altLang="en-US">
                 <a:solidFill>
                   <a:srgbClr val="FF0000"/>
                 </a:solidFill>
@@ -8318,7 +9747,7 @@
               </a:rPr>
               <a:t>0不是第一项，而是第零项。</a:t>
             </a:r>
-            <a:endParaRPr lang="zh-CN" altLang="en-US" sz="1600">
+            <a:endParaRPr lang="zh-CN" altLang="en-US">
               <a:solidFill>
                 <a:srgbClr val="FF0000"/>
               </a:solidFill>
@@ -8345,7 +9774,7 @@
         </p:blipFill>
         <p:spPr>
           <a:xfrm>
-            <a:off x="1819910" y="2444115"/>
+            <a:off x="1819910" y="2672715"/>
             <a:ext cx="3063240" cy="838200"/>
           </a:xfrm>
           <a:prstGeom prst="rect">
@@ -8361,8 +9790,8 @@
         </p:nvSpPr>
         <p:spPr>
           <a:xfrm>
-            <a:off x="4183380" y="800735"/>
-            <a:ext cx="4216400" cy="583565"/>
+            <a:off x="132080" y="800735"/>
+            <a:ext cx="11820525" cy="583565"/>
           </a:xfrm>
           <a:prstGeom prst="rect">
             <a:avLst/>
@@ -8374,27 +9803,18 @@
             <a:spAutoFit/>
           </a:bodyPr>
           <a:p>
+            <a:pPr algn="ctr"/>
             <a:r>
               <a:rPr lang="zh-CN" altLang="en-US" sz="3200"/>
-              <a:t>练习</a:t>
-            </a:r>
-            <a:r>
-              <a:rPr lang="zh-CN" altLang="en-US" sz="3200"/>
-              <a:t>：</a:t>
+              <a:t>练习：</a:t>
             </a:r>
             <a:r>
               <a:rPr lang="zh-CN" altLang="en-US" sz="3200">
-                <a:latin typeface="宋体" panose="02010600030101010101" pitchFamily="2" charset="-122"/>
-                <a:ea typeface="宋体" panose="02010600030101010101" pitchFamily="2" charset="-122"/>
-                <a:cs typeface="宋体" panose="02010600030101010101" pitchFamily="2" charset="-122"/>
                 <a:sym typeface="+mn-ea"/>
               </a:rPr>
               <a:t>Fibonacci数列</a:t>
             </a:r>
             <a:endParaRPr lang="zh-CN" altLang="en-US" sz="3200">
-              <a:latin typeface="宋体" panose="02010600030101010101" pitchFamily="2" charset="-122"/>
-              <a:ea typeface="宋体" panose="02010600030101010101" pitchFamily="2" charset="-122"/>
-              <a:cs typeface="宋体" panose="02010600030101010101" pitchFamily="2" charset="-122"/>
               <a:sym typeface="+mn-ea"/>
             </a:endParaRPr>
           </a:p>
@@ -8440,8 +9860,8 @@
         </p:nvSpPr>
         <p:spPr>
           <a:xfrm>
-            <a:off x="202565" y="764540"/>
-            <a:ext cx="11639550" cy="5262245"/>
+            <a:off x="185420" y="1456055"/>
+            <a:ext cx="11639550" cy="5015865"/>
           </a:xfrm>
           <a:prstGeom prst="rect">
             <a:avLst/>
@@ -8459,25 +9879,10 @@
                 <a:ea typeface="宋体" panose="02010600030101010101" pitchFamily="2" charset="-122"/>
                 <a:cs typeface="宋体" panose="02010600030101010101" pitchFamily="2" charset="-122"/>
               </a:rPr>
-              <a:t>类型擦除</a:t>
-            </a:r>
-            <a:endParaRPr lang="zh-CN" altLang="en-US" sz="1600">
-              <a:latin typeface="宋体" panose="02010600030101010101" pitchFamily="2" charset="-122"/>
-              <a:ea typeface="宋体" panose="02010600030101010101" pitchFamily="2" charset="-122"/>
-              <a:cs typeface="宋体" panose="02010600030101010101" pitchFamily="2" charset="-122"/>
-            </a:endParaRPr>
-          </a:p>
-          <a:p>
-            <a:r>
-              <a:rPr lang="zh-CN" altLang="en-US" sz="1600">
-                <a:latin typeface="宋体" panose="02010600030101010101" pitchFamily="2" charset="-122"/>
-                <a:ea typeface="宋体" panose="02010600030101010101" pitchFamily="2" charset="-122"/>
-                <a:cs typeface="宋体" panose="02010600030101010101" pitchFamily="2" charset="-122"/>
-              </a:rPr>
-              <a:t>大家都知道，Java的泛型是</a:t>
-            </a:r>
-            <a:r>
-              <a:rPr lang="zh-CN" altLang="en-US" sz="1600">
+              <a:t>Java的泛型是</a:t>
+            </a:r>
+            <a:r>
+              <a:rPr lang="zh-CN" altLang="en-US" sz="1600" b="1">
                 <a:solidFill>
                   <a:srgbClr val="FF0000"/>
                 </a:solidFill>
@@ -8716,7 +10121,7 @@
         </p:blipFill>
         <p:spPr>
           <a:xfrm>
-            <a:off x="202565" y="1922145"/>
+            <a:off x="282575" y="2493645"/>
             <a:ext cx="6042660" cy="2156460"/>
           </a:xfrm>
           <a:prstGeom prst="rect">
@@ -8724,6 +10129,36 @@
           </a:prstGeom>
         </p:spPr>
       </p:pic>
+      <p:sp>
+        <p:nvSpPr>
+          <p:cNvPr id="2" name="文本框 1"/>
+          <p:cNvSpPr txBox="1"/>
+          <p:nvPr/>
+        </p:nvSpPr>
+        <p:spPr>
+          <a:xfrm>
+            <a:off x="185420" y="819150"/>
+            <a:ext cx="11705590" cy="583565"/>
+          </a:xfrm>
+          <a:prstGeom prst="rect">
+            <a:avLst/>
+          </a:prstGeom>
+          <a:noFill/>
+        </p:spPr>
+        <p:txBody>
+          <a:bodyPr wrap="square" rtlCol="0">
+            <a:spAutoFit/>
+          </a:bodyPr>
+          <a:p>
+            <a:pPr algn="ctr"/>
+            <a:r>
+              <a:rPr lang="zh-CN" altLang="en-US" sz="3200"/>
+              <a:t>泛型擦除</a:t>
+            </a:r>
+            <a:endParaRPr lang="zh-CN" altLang="en-US" sz="3200"/>
+          </a:p>
+        </p:txBody>
+      </p:sp>
     </p:spTree>
     <p:custDataLst>
       <p:tags r:id="rId3"/>
@@ -8849,33 +10284,9 @@
           </a:p>
         </p:txBody>
       </p:sp>
-      <p:pic>
-        <p:nvPicPr>
-          <p:cNvPr id="3" name="图片 2"/>
-          <p:cNvPicPr>
-            <a:picLocks noChangeAspect="1"/>
-          </p:cNvPicPr>
-          <p:nvPr/>
-        </p:nvPicPr>
-        <p:blipFill>
-          <a:blip r:embed="rId2"/>
-          <a:stretch>
-            <a:fillRect/>
-          </a:stretch>
-        </p:blipFill>
-        <p:spPr>
-          <a:xfrm>
-            <a:off x="65405" y="2550160"/>
-            <a:ext cx="12024360" cy="4206875"/>
-          </a:xfrm>
-          <a:prstGeom prst="rect">
-            <a:avLst/>
-          </a:prstGeom>
-        </p:spPr>
-      </p:pic>
     </p:spTree>
     <p:custDataLst>
-      <p:tags r:id="rId3"/>
+      <p:tags r:id="rId2"/>
     </p:custDataLst>
   </p:cSld>
   <p:clrMapOvr>
@@ -8914,7 +10325,7 @@
         <p:spPr>
           <a:xfrm>
             <a:off x="166370" y="800735"/>
-            <a:ext cx="11766550" cy="1198880"/>
+            <a:ext cx="11766550" cy="5631180"/>
           </a:xfrm>
           <a:prstGeom prst="rect">
             <a:avLst/>
@@ -8970,6 +10381,113 @@
                 <a:cs typeface="宋体" panose="02010600030101010101" pitchFamily="2" charset="-122"/>
               </a:rPr>
               <a:t>在指定泛型的情况下，该方法的几种类型必须是该泛型的实例的类型或者其子类</a:t>
+            </a:r>
+            <a:endParaRPr lang="zh-CN" altLang="en-US">
+              <a:latin typeface="宋体" panose="02010600030101010101" pitchFamily="2" charset="-122"/>
+              <a:ea typeface="宋体" panose="02010600030101010101" pitchFamily="2" charset="-122"/>
+              <a:cs typeface="宋体" panose="02010600030101010101" pitchFamily="2" charset="-122"/>
+            </a:endParaRPr>
+          </a:p>
+          <a:p>
+            <a:endParaRPr lang="zh-CN" altLang="en-US">
+              <a:latin typeface="宋体" panose="02010600030101010101" pitchFamily="2" charset="-122"/>
+              <a:ea typeface="宋体" panose="02010600030101010101" pitchFamily="2" charset="-122"/>
+              <a:cs typeface="宋体" panose="02010600030101010101" pitchFamily="2" charset="-122"/>
+            </a:endParaRPr>
+          </a:p>
+          <a:p>
+            <a:endParaRPr lang="zh-CN" altLang="en-US">
+              <a:latin typeface="宋体" panose="02010600030101010101" pitchFamily="2" charset="-122"/>
+              <a:ea typeface="宋体" panose="02010600030101010101" pitchFamily="2" charset="-122"/>
+              <a:cs typeface="宋体" panose="02010600030101010101" pitchFamily="2" charset="-122"/>
+            </a:endParaRPr>
+          </a:p>
+          <a:p>
+            <a:endParaRPr lang="zh-CN" altLang="en-US">
+              <a:latin typeface="宋体" panose="02010600030101010101" pitchFamily="2" charset="-122"/>
+              <a:ea typeface="宋体" panose="02010600030101010101" pitchFamily="2" charset="-122"/>
+              <a:cs typeface="宋体" panose="02010600030101010101" pitchFamily="2" charset="-122"/>
+            </a:endParaRPr>
+          </a:p>
+          <a:p>
+            <a:endParaRPr lang="zh-CN" altLang="en-US">
+              <a:latin typeface="宋体" panose="02010600030101010101" pitchFamily="2" charset="-122"/>
+              <a:ea typeface="宋体" panose="02010600030101010101" pitchFamily="2" charset="-122"/>
+              <a:cs typeface="宋体" panose="02010600030101010101" pitchFamily="2" charset="-122"/>
+            </a:endParaRPr>
+          </a:p>
+          <a:p>
+            <a:endParaRPr lang="zh-CN" altLang="en-US">
+              <a:latin typeface="宋体" panose="02010600030101010101" pitchFamily="2" charset="-122"/>
+              <a:ea typeface="宋体" panose="02010600030101010101" pitchFamily="2" charset="-122"/>
+              <a:cs typeface="宋体" panose="02010600030101010101" pitchFamily="2" charset="-122"/>
+            </a:endParaRPr>
+          </a:p>
+          <a:p>
+            <a:endParaRPr lang="zh-CN" altLang="en-US">
+              <a:latin typeface="宋体" panose="02010600030101010101" pitchFamily="2" charset="-122"/>
+              <a:ea typeface="宋体" panose="02010600030101010101" pitchFamily="2" charset="-122"/>
+              <a:cs typeface="宋体" panose="02010600030101010101" pitchFamily="2" charset="-122"/>
+            </a:endParaRPr>
+          </a:p>
+          <a:p>
+            <a:endParaRPr lang="zh-CN" altLang="en-US">
+              <a:latin typeface="宋体" panose="02010600030101010101" pitchFamily="2" charset="-122"/>
+              <a:ea typeface="宋体" panose="02010600030101010101" pitchFamily="2" charset="-122"/>
+              <a:cs typeface="宋体" panose="02010600030101010101" pitchFamily="2" charset="-122"/>
+            </a:endParaRPr>
+          </a:p>
+          <a:p>
+            <a:endParaRPr lang="zh-CN" altLang="en-US">
+              <a:latin typeface="宋体" panose="02010600030101010101" pitchFamily="2" charset="-122"/>
+              <a:ea typeface="宋体" panose="02010600030101010101" pitchFamily="2" charset="-122"/>
+              <a:cs typeface="宋体" panose="02010600030101010101" pitchFamily="2" charset="-122"/>
+            </a:endParaRPr>
+          </a:p>
+          <a:p>
+            <a:endParaRPr lang="zh-CN" altLang="en-US">
+              <a:latin typeface="宋体" panose="02010600030101010101" pitchFamily="2" charset="-122"/>
+              <a:ea typeface="宋体" panose="02010600030101010101" pitchFamily="2" charset="-122"/>
+              <a:cs typeface="宋体" panose="02010600030101010101" pitchFamily="2" charset="-122"/>
+            </a:endParaRPr>
+          </a:p>
+          <a:p>
+            <a:endParaRPr lang="zh-CN" altLang="en-US">
+              <a:latin typeface="宋体" panose="02010600030101010101" pitchFamily="2" charset="-122"/>
+              <a:ea typeface="宋体" panose="02010600030101010101" pitchFamily="2" charset="-122"/>
+              <a:cs typeface="宋体" panose="02010600030101010101" pitchFamily="2" charset="-122"/>
+            </a:endParaRPr>
+          </a:p>
+          <a:p>
+            <a:endParaRPr lang="zh-CN" altLang="en-US">
+              <a:latin typeface="宋体" panose="02010600030101010101" pitchFamily="2" charset="-122"/>
+              <a:ea typeface="宋体" panose="02010600030101010101" pitchFamily="2" charset="-122"/>
+              <a:cs typeface="宋体" panose="02010600030101010101" pitchFamily="2" charset="-122"/>
+            </a:endParaRPr>
+          </a:p>
+          <a:p>
+            <a:endParaRPr lang="zh-CN" altLang="en-US">
+              <a:latin typeface="宋体" panose="02010600030101010101" pitchFamily="2" charset="-122"/>
+              <a:ea typeface="宋体" panose="02010600030101010101" pitchFamily="2" charset="-122"/>
+              <a:cs typeface="宋体" panose="02010600030101010101" pitchFamily="2" charset="-122"/>
+            </a:endParaRPr>
+          </a:p>
+          <a:p>
+            <a:endParaRPr lang="zh-CN" altLang="en-US">
+              <a:latin typeface="宋体" panose="02010600030101010101" pitchFamily="2" charset="-122"/>
+              <a:ea typeface="宋体" panose="02010600030101010101" pitchFamily="2" charset="-122"/>
+              <a:cs typeface="宋体" panose="02010600030101010101" pitchFamily="2" charset="-122"/>
+            </a:endParaRPr>
+          </a:p>
+          <a:p>
+            <a:r>
+              <a:rPr lang="zh-CN" altLang="en-US">
+                <a:latin typeface="宋体" panose="02010600030101010101" pitchFamily="2" charset="-122"/>
+                <a:ea typeface="宋体" panose="02010600030101010101" pitchFamily="2" charset="-122"/>
+                <a:cs typeface="宋体" panose="02010600030101010101" pitchFamily="2" charset="-122"/>
+                <a:sym typeface="+mn-ea"/>
+              </a:rPr>
+              <a:t>通配符 — 使用一个奇怪的问号表示类型参数 — 是一种表示未知类型的类型约束的方法。通配符并不包含在最初的泛型设计中（起源于 Generic Java（GJ）项目），从形成 JSR 14 到发布其最终版本之间的五年多时间内完成设计过程并被添加到了泛型中。</a:t>
             </a:r>
             <a:endParaRPr lang="zh-CN" altLang="en-US">
               <a:latin typeface="宋体" panose="02010600030101010101" pitchFamily="2" charset="-122"/>
@@ -9043,8 +10561,8 @@
         </p:nvSpPr>
         <p:spPr>
           <a:xfrm>
-            <a:off x="238760" y="882650"/>
-            <a:ext cx="11593830" cy="1568450"/>
+            <a:off x="198755" y="1402715"/>
+            <a:ext cx="11794490" cy="4523105"/>
           </a:xfrm>
           <a:prstGeom prst="rect">
             <a:avLst/>
@@ -9057,21 +10575,38 @@
           </a:bodyPr>
           <a:p>
             <a:r>
-              <a:rPr lang="zh-CN" altLang="en-US" sz="1600">
+              <a:rPr lang="zh-CN" altLang="en-US">
                 <a:latin typeface="宋体" panose="02010600030101010101" pitchFamily="2" charset="-122"/>
                 <a:ea typeface="宋体" panose="02010600030101010101" pitchFamily="2" charset="-122"/>
                 <a:cs typeface="宋体" panose="02010600030101010101" pitchFamily="2" charset="-122"/>
               </a:rPr>
-              <a:t>通配符 — 使用一个奇怪的问号表示类型参数 — 是一种表示未知类型的类型约束的方法。通配符并不包含在最初的泛型设计中（起源于 Generic Java（GJ）项目），从形成 JSR 14 到发布其最终版本之间的五年多时间内完成设计过程并被添加到了泛型中。</a:t>
-            </a:r>
-            <a:endParaRPr lang="zh-CN" altLang="en-US" sz="1600">
+              <a:t>有界泛型（</a:t>
+            </a:r>
+            <a:r>
+              <a:rPr lang="zh-CN" altLang="en-US">
+                <a:latin typeface="宋体" panose="02010600030101010101" pitchFamily="2" charset="-122"/>
+                <a:ea typeface="宋体" panose="02010600030101010101" pitchFamily="2" charset="-122"/>
+                <a:cs typeface="宋体" panose="02010600030101010101" pitchFamily="2" charset="-122"/>
+                <a:sym typeface="+mn-ea"/>
+              </a:rPr>
+              <a:t>泛型边界</a:t>
+            </a:r>
+            <a:r>
+              <a:rPr lang="zh-CN" altLang="en-US">
+                <a:latin typeface="宋体" panose="02010600030101010101" pitchFamily="2" charset="-122"/>
+                <a:ea typeface="宋体" panose="02010600030101010101" pitchFamily="2" charset="-122"/>
+                <a:cs typeface="宋体" panose="02010600030101010101" pitchFamily="2" charset="-122"/>
+              </a:rPr>
+              <a:t>）：</a:t>
+            </a:r>
+            <a:endParaRPr lang="zh-CN" altLang="en-US">
               <a:latin typeface="宋体" panose="02010600030101010101" pitchFamily="2" charset="-122"/>
               <a:ea typeface="宋体" panose="02010600030101010101" pitchFamily="2" charset="-122"/>
               <a:cs typeface="宋体" panose="02010600030101010101" pitchFamily="2" charset="-122"/>
             </a:endParaRPr>
           </a:p>
           <a:p>
-            <a:endParaRPr lang="zh-CN" altLang="en-US" sz="1600">
+            <a:endParaRPr lang="zh-CN" altLang="en-US">
               <a:latin typeface="宋体" panose="02010600030101010101" pitchFamily="2" charset="-122"/>
               <a:ea typeface="宋体" panose="02010600030101010101" pitchFamily="2" charset="-122"/>
               <a:cs typeface="宋体" panose="02010600030101010101" pitchFamily="2" charset="-122"/>
@@ -9079,119 +10614,197 @@
           </a:p>
           <a:p>
             <a:r>
-              <a:rPr lang="zh-CN" altLang="en-US" sz="1600">
-                <a:solidFill>
-                  <a:srgbClr val="FF0000"/>
-                </a:solidFill>
+              <a:rPr lang="zh-CN" altLang="en-US">
                 <a:latin typeface="宋体" panose="02010600030101010101" pitchFamily="2" charset="-122"/>
                 <a:ea typeface="宋体" panose="02010600030101010101" pitchFamily="2" charset="-122"/>
                 <a:cs typeface="宋体" panose="02010600030101010101" pitchFamily="2" charset="-122"/>
               </a:rPr>
-              <a:t>不确定</a:t>
-            </a:r>
-            <a:r>
-              <a:rPr lang="zh-CN" altLang="en-US" sz="1600">
-                <a:solidFill>
-                  <a:schemeClr val="accent1"/>
+              <a:t>用</a:t>
+            </a:r>
+            <a:r>
+              <a:rPr lang="zh-CN" altLang="en-US">
+                <a:solidFill>
+                  <a:srgbClr val="FF0000"/>
                 </a:solidFill>
                 <a:latin typeface="宋体" panose="02010600030101010101" pitchFamily="2" charset="-122"/>
                 <a:ea typeface="宋体" panose="02010600030101010101" pitchFamily="2" charset="-122"/>
                 <a:cs typeface="宋体" panose="02010600030101010101" pitchFamily="2" charset="-122"/>
               </a:rPr>
-              <a:t>集合中</a:t>
-            </a:r>
-            <a:r>
-              <a:rPr lang="zh-CN" altLang="en-US" sz="1600">
-                <a:solidFill>
-                  <a:srgbClr val="FF0000"/>
-                </a:solidFill>
+              <a:t>&lt;? extends 父类型&gt;</a:t>
+            </a:r>
+            <a:r>
+              <a:rPr lang="zh-CN" altLang="en-US">
                 <a:latin typeface="宋体" panose="02010600030101010101" pitchFamily="2" charset="-122"/>
                 <a:ea typeface="宋体" panose="02010600030101010101" pitchFamily="2" charset="-122"/>
                 <a:cs typeface="宋体" panose="02010600030101010101" pitchFamily="2" charset="-122"/>
               </a:rPr>
-              <a:t>的元素具体的数据类型</a:t>
-            </a:r>
-            <a:r>
-              <a:rPr lang="en-US" altLang="zh-CN" sz="1600">
-                <a:solidFill>
-                  <a:srgbClr val="FF0000"/>
-                </a:solidFill>
+              <a:t>标识上边界通配符，用于表示实例化时可以确定父类型的未知类型。</a:t>
+            </a:r>
+            <a:endParaRPr lang="zh-CN" altLang="en-US">
+              <a:latin typeface="宋体" panose="02010600030101010101" pitchFamily="2" charset="-122"/>
+              <a:ea typeface="宋体" panose="02010600030101010101" pitchFamily="2" charset="-122"/>
+              <a:cs typeface="宋体" panose="02010600030101010101" pitchFamily="2" charset="-122"/>
+            </a:endParaRPr>
+          </a:p>
+          <a:p>
+            <a:r>
+              <a:rPr lang="zh-CN" altLang="en-US">
                 <a:latin typeface="宋体" panose="02010600030101010101" pitchFamily="2" charset="-122"/>
                 <a:ea typeface="宋体" panose="02010600030101010101" pitchFamily="2" charset="-122"/>
                 <a:cs typeface="宋体" panose="02010600030101010101" pitchFamily="2" charset="-122"/>
               </a:rPr>
-              <a:t>			</a:t>
-            </a:r>
-            <a:r>
-              <a:rPr lang="zh-CN" altLang="en-US" sz="1600">
-                <a:solidFill>
-                  <a:schemeClr val="accent1"/>
+              <a:t>用</a:t>
+            </a:r>
+            <a:r>
+              <a:rPr lang="zh-CN" altLang="en-US">
+                <a:solidFill>
+                  <a:srgbClr val="FF0000"/>
                 </a:solidFill>
                 <a:latin typeface="宋体" panose="02010600030101010101" pitchFamily="2" charset="-122"/>
                 <a:ea typeface="宋体" panose="02010600030101010101" pitchFamily="2" charset="-122"/>
                 <a:cs typeface="宋体" panose="02010600030101010101" pitchFamily="2" charset="-122"/>
               </a:rPr>
-              <a:t>仅用于集合</a:t>
-            </a:r>
-            <a:endParaRPr lang="zh-CN" altLang="en-US" sz="1600">
-              <a:solidFill>
-                <a:srgbClr val="FF0000"/>
-              </a:solidFill>
+              <a:t>&lt;? super 子类型&gt;</a:t>
+            </a:r>
+            <a:r>
+              <a:rPr lang="zh-CN" altLang="en-US">
+                <a:latin typeface="宋体" panose="02010600030101010101" pitchFamily="2" charset="-122"/>
+                <a:ea typeface="宋体" panose="02010600030101010101" pitchFamily="2" charset="-122"/>
+                <a:cs typeface="宋体" panose="02010600030101010101" pitchFamily="2" charset="-122"/>
+              </a:rPr>
+              <a:t>标识下边界通配符，用于表示实例化时可以确定子类型的未知类型。</a:t>
+            </a:r>
+            <a:endParaRPr lang="zh-CN" altLang="en-US">
               <a:latin typeface="宋体" panose="02010600030101010101" pitchFamily="2" charset="-122"/>
               <a:ea typeface="宋体" panose="02010600030101010101" pitchFamily="2" charset="-122"/>
               <a:cs typeface="宋体" panose="02010600030101010101" pitchFamily="2" charset="-122"/>
             </a:endParaRPr>
           </a:p>
           <a:p>
-            <a:r>
-              <a:rPr lang="zh-CN" altLang="en-US" sz="1600">
-                <a:solidFill>
-                  <a:srgbClr val="FF0000"/>
-                </a:solidFill>
+            <a:endParaRPr lang="zh-CN" altLang="en-US">
+              <a:latin typeface="宋体" panose="02010600030101010101" pitchFamily="2" charset="-122"/>
+              <a:ea typeface="宋体" panose="02010600030101010101" pitchFamily="2" charset="-122"/>
+              <a:cs typeface="宋体" panose="02010600030101010101" pitchFamily="2" charset="-122"/>
+            </a:endParaRPr>
+          </a:p>
+          <a:p>
+            <a:r>
+              <a:rPr lang="zh-CN" altLang="en-US">
                 <a:latin typeface="宋体" panose="02010600030101010101" pitchFamily="2" charset="-122"/>
                 <a:ea typeface="宋体" panose="02010600030101010101" pitchFamily="2" charset="-122"/>
                 <a:cs typeface="宋体" panose="02010600030101010101" pitchFamily="2" charset="-122"/>
               </a:rPr>
-              <a:t>使用?表示所有类型</a:t>
-            </a:r>
-            <a:endParaRPr lang="zh-CN" altLang="en-US" sz="1600">
-              <a:solidFill>
-                <a:srgbClr val="FF0000"/>
-              </a:solidFill>
+              <a:t>上边界类型通配符（&lt;? extends 父类型&gt;）：因为可以确定父类型，所以可以以父类型去获取数据（向上转型）。但是不能写入数据。</a:t>
+            </a:r>
+            <a:endParaRPr lang="zh-CN" altLang="en-US">
               <a:latin typeface="宋体" panose="02010600030101010101" pitchFamily="2" charset="-122"/>
               <a:ea typeface="宋体" panose="02010600030101010101" pitchFamily="2" charset="-122"/>
               <a:cs typeface="宋体" panose="02010600030101010101" pitchFamily="2" charset="-122"/>
             </a:endParaRPr>
           </a:p>
+          <a:p>
+            <a:r>
+              <a:rPr lang="zh-CN" altLang="en-US">
+                <a:latin typeface="宋体" panose="02010600030101010101" pitchFamily="2" charset="-122"/>
+                <a:ea typeface="宋体" panose="02010600030101010101" pitchFamily="2" charset="-122"/>
+                <a:cs typeface="宋体" panose="02010600030101010101" pitchFamily="2" charset="-122"/>
+              </a:rPr>
+              <a:t>下边界类型通配符（&lt;? super 子类型&gt;）：因为可以确定最小类型，所以可以以最小类型去写入数据（向上转型）。而不能获取数据。</a:t>
+            </a:r>
+            <a:endParaRPr lang="zh-CN" altLang="en-US">
+              <a:latin typeface="宋体" panose="02010600030101010101" pitchFamily="2" charset="-122"/>
+              <a:ea typeface="宋体" panose="02010600030101010101" pitchFamily="2" charset="-122"/>
+              <a:cs typeface="宋体" panose="02010600030101010101" pitchFamily="2" charset="-122"/>
+            </a:endParaRPr>
+          </a:p>
+          <a:p>
+            <a:r>
+              <a:rPr lang="zh-CN" altLang="en-US">
+                <a:latin typeface="宋体" panose="02010600030101010101" pitchFamily="2" charset="-122"/>
+                <a:ea typeface="宋体" panose="02010600030101010101" pitchFamily="2" charset="-122"/>
+                <a:cs typeface="宋体" panose="02010600030101010101" pitchFamily="2" charset="-122"/>
+              </a:rPr>
+              <a:t>无边界类型通配符（&lt;?&gt;） 等同于 上边界通配符&lt;? extends Object&gt;，所以可以以Object类去获取数据，但意义不大。</a:t>
+            </a:r>
+            <a:endParaRPr lang="zh-CN" altLang="en-US">
+              <a:latin typeface="宋体" panose="02010600030101010101" pitchFamily="2" charset="-122"/>
+              <a:ea typeface="宋体" panose="02010600030101010101" pitchFamily="2" charset="-122"/>
+              <a:cs typeface="宋体" panose="02010600030101010101" pitchFamily="2" charset="-122"/>
+            </a:endParaRPr>
+          </a:p>
+          <a:p>
+            <a:r>
+              <a:rPr lang="zh-CN" altLang="en-US">
+                <a:latin typeface="宋体" panose="02010600030101010101" pitchFamily="2" charset="-122"/>
+                <a:ea typeface="宋体" panose="02010600030101010101" pitchFamily="2" charset="-122"/>
+                <a:cs typeface="宋体" panose="02010600030101010101" pitchFamily="2" charset="-122"/>
+              </a:rPr>
+              <a:t>下边界类型通配符（&lt;? super 子类型&gt;）下边界通配符&lt;? super 子类型&gt; + 上边界通配符&lt;? extends Object&gt;，所以可以以Object类去获取数据，但意义不大。</a:t>
+            </a:r>
+            <a:endParaRPr lang="zh-CN" altLang="en-US">
+              <a:latin typeface="宋体" panose="02010600030101010101" pitchFamily="2" charset="-122"/>
+              <a:ea typeface="宋体" panose="02010600030101010101" pitchFamily="2" charset="-122"/>
+              <a:cs typeface="宋体" panose="02010600030101010101" pitchFamily="2" charset="-122"/>
+            </a:endParaRPr>
+          </a:p>
+          <a:p>
+            <a:endParaRPr lang="zh-CN" altLang="en-US">
+              <a:latin typeface="宋体" panose="02010600030101010101" pitchFamily="2" charset="-122"/>
+              <a:ea typeface="宋体" panose="02010600030101010101" pitchFamily="2" charset="-122"/>
+              <a:cs typeface="宋体" panose="02010600030101010101" pitchFamily="2" charset="-122"/>
+            </a:endParaRPr>
+          </a:p>
+          <a:p>
+            <a:r>
+              <a:rPr lang="zh-CN" altLang="en-US">
+                <a:latin typeface="宋体" panose="02010600030101010101" pitchFamily="2" charset="-122"/>
+                <a:ea typeface="宋体" panose="02010600030101010101" pitchFamily="2" charset="-122"/>
+                <a:cs typeface="宋体" panose="02010600030101010101" pitchFamily="2" charset="-122"/>
+                <a:sym typeface="+mn-ea"/>
+              </a:rPr>
+              <a:t>&lt;&gt;模板的类型是编译时确定的而不是运行时，这代码必须运行时才能判定类型。Java泛型是编译器做的限制，运行时会泛型擦除。 </a:t>
+            </a:r>
+            <a:endParaRPr lang="zh-CN" altLang="en-US">
+              <a:latin typeface="宋体" panose="02010600030101010101" pitchFamily="2" charset="-122"/>
+              <a:ea typeface="宋体" panose="02010600030101010101" pitchFamily="2" charset="-122"/>
+              <a:cs typeface="宋体" panose="02010600030101010101" pitchFamily="2" charset="-122"/>
+            </a:endParaRPr>
+          </a:p>
         </p:txBody>
       </p:sp>
-      <p:pic>
-        <p:nvPicPr>
-          <p:cNvPr id="3" name="图片 2"/>
-          <p:cNvPicPr>
-            <a:picLocks noChangeAspect="1"/>
-          </p:cNvPicPr>
+      <p:sp>
+        <p:nvSpPr>
+          <p:cNvPr id="3" name="文本框 2"/>
+          <p:cNvSpPr txBox="1"/>
           <p:nvPr/>
-        </p:nvPicPr>
-        <p:blipFill>
-          <a:blip r:embed="rId2"/>
-          <a:stretch>
-            <a:fillRect/>
-          </a:stretch>
-        </p:blipFill>
+        </p:nvSpPr>
         <p:spPr>
           <a:xfrm>
-            <a:off x="3764915" y="2258060"/>
-            <a:ext cx="4541520" cy="2049780"/>
+            <a:off x="185420" y="819150"/>
+            <a:ext cx="11705590" cy="583565"/>
           </a:xfrm>
           <a:prstGeom prst="rect">
             <a:avLst/>
           </a:prstGeom>
+          <a:noFill/>
         </p:spPr>
-      </p:pic>
+        <p:txBody>
+          <a:bodyPr wrap="square" rtlCol="0">
+            <a:spAutoFit/>
+          </a:bodyPr>
+          <a:p>
+            <a:pPr algn="ctr"/>
+            <a:r>
+              <a:rPr lang="zh-CN" altLang="en-US" sz="3200"/>
+              <a:t>泛型边界</a:t>
+            </a:r>
+            <a:endParaRPr lang="zh-CN" altLang="en-US" sz="3200"/>
+          </a:p>
+        </p:txBody>
+      </p:sp>
     </p:spTree>
     <p:custDataLst>
-      <p:tags r:id="rId3"/>
+      <p:tags r:id="rId2"/>
     </p:custDataLst>
   </p:cSld>
   <p:clrMapOvr>
@@ -10331,87 +11944,6 @@
 </p:tagLst>
 </file>
 
-<file path=ppt/tags/tag90.xml><?xml version="1.0" encoding="utf-8"?>
-<p:tagLst xmlns:p="http://schemas.openxmlformats.org/presentationml/2006/main">
-  <p:tag name="KSO_WM_BEAUTIFY_FLAG" val="#wm#"/>
-  <p:tag name="KSO_WM_TEMPLATE_CATEGORY" val="custom"/>
-  <p:tag name="KSO_WM_TEMPLATE_INDEX" val="20203858"/>
-  <p:tag name="KSO_WM_SPECIAL_SOURCE" val="bdnull"/>
-</p:tagLst>
-</file>
-
-<file path=ppt/tags/tag91.xml><?xml version="1.0" encoding="utf-8"?>
-<p:tagLst xmlns:p="http://schemas.openxmlformats.org/presentationml/2006/main">
-  <p:tag name="KSO_WM_BEAUTIFY_FLAG" val="#wm#"/>
-  <p:tag name="KSO_WM_TEMPLATE_CATEGORY" val="custom"/>
-  <p:tag name="KSO_WM_TEMPLATE_INDEX" val="20203858"/>
-  <p:tag name="KSO_WM_SPECIAL_SOURCE" val="bdnull"/>
-</p:tagLst>
-</file>
-
-<file path=ppt/tags/tag92.xml><?xml version="1.0" encoding="utf-8"?>
-<p:tagLst xmlns:p="http://schemas.openxmlformats.org/presentationml/2006/main">
-  <p:tag name="KSO_WM_BEAUTIFY_FLAG" val="#wm#"/>
-  <p:tag name="KSO_WM_TEMPLATE_CATEGORY" val="custom"/>
-  <p:tag name="KSO_WM_TEMPLATE_INDEX" val="20203858"/>
-  <p:tag name="KSO_WM_SPECIAL_SOURCE" val="bdnull"/>
-</p:tagLst>
-</file>
-
-<file path=ppt/tags/tag93.xml><?xml version="1.0" encoding="utf-8"?>
-<p:tagLst xmlns:p="http://schemas.openxmlformats.org/presentationml/2006/main">
-  <p:tag name="KSO_WM_BEAUTIFY_FLAG" val="#wm#"/>
-  <p:tag name="KSO_WM_TEMPLATE_CATEGORY" val="custom"/>
-  <p:tag name="KSO_WM_TEMPLATE_INDEX" val="20203858"/>
-  <p:tag name="KSO_WM_SPECIAL_SOURCE" val="bdnull"/>
-</p:tagLst>
-</file>
-
-<file path=ppt/tags/tag94.xml><?xml version="1.0" encoding="utf-8"?>
-<p:tagLst xmlns:p="http://schemas.openxmlformats.org/presentationml/2006/main">
-  <p:tag name="KSO_WM_BEAUTIFY_FLAG" val="#wm#"/>
-  <p:tag name="KSO_WM_TEMPLATE_CATEGORY" val="custom"/>
-  <p:tag name="KSO_WM_TEMPLATE_INDEX" val="20203858"/>
-  <p:tag name="KSO_WM_SPECIAL_SOURCE" val="bdnull"/>
-</p:tagLst>
-</file>
-
-<file path=ppt/tags/tag95.xml><?xml version="1.0" encoding="utf-8"?>
-<p:tagLst xmlns:p="http://schemas.openxmlformats.org/presentationml/2006/main">
-  <p:tag name="KSO_WM_BEAUTIFY_FLAG" val="#wm#"/>
-  <p:tag name="KSO_WM_TEMPLATE_CATEGORY" val="custom"/>
-  <p:tag name="KSO_WM_TEMPLATE_INDEX" val="20203858"/>
-  <p:tag name="KSO_WM_SPECIAL_SOURCE" val="bdnull"/>
-</p:tagLst>
-</file>
-
-<file path=ppt/tags/tag96.xml><?xml version="1.0" encoding="utf-8"?>
-<p:tagLst xmlns:p="http://schemas.openxmlformats.org/presentationml/2006/main">
-  <p:tag name="KSO_WM_BEAUTIFY_FLAG" val="#wm#"/>
-  <p:tag name="KSO_WM_TEMPLATE_CATEGORY" val="custom"/>
-  <p:tag name="KSO_WM_TEMPLATE_INDEX" val="20203858"/>
-  <p:tag name="KSO_WM_SPECIAL_SOURCE" val="bdnull"/>
-</p:tagLst>
-</file>
-
-<file path=ppt/tags/tag97.xml><?xml version="1.0" encoding="utf-8"?>
-<p:tagLst xmlns:p="http://schemas.openxmlformats.org/presentationml/2006/main">
-  <p:tag name="KSO_WM_BEAUTIFY_FLAG" val="#wm#"/>
-  <p:tag name="KSO_WM_TEMPLATE_CATEGORY" val="custom"/>
-  <p:tag name="KSO_WM_TEMPLATE_INDEX" val="20203858"/>
-  <p:tag name="KSO_WM_SPECIAL_SOURCE" val="bdnull"/>
-</p:tagLst>
-</file>
-
-<file path=ppt/tags/tag98.xml><?xml version="1.0" encoding="utf-8"?>
-<p:tagLst xmlns:p="http://schemas.openxmlformats.org/presentationml/2006/main">
-  <p:tag name="KSO_WM_BEAUTIFY_FLAG" val="#wm#"/>
-  <p:tag name="KSO_WM_TEMPLATE_CATEGORY" val="custom"/>
-  <p:tag name="KSO_WM_TEMPLATE_INDEX" val="20203858"/>
-  <p:tag name="KSO_WM_SPECIAL_SOURCE" val="bdnull"/>
-</p:tagLst>
-</file>
-
 <file path=ppt/theme/theme1.xml><?xml version="1.0" encoding="utf-8"?>
 <a:theme xmlns:a="http://schemas.openxmlformats.org/drawingml/2006/main" name="1_Office 主题​​">
   <a:themeElements>

--- a/基础PPT/第11章：Java泛型简介.pptx
+++ b/基础PPT/第11章：Java泛型简介.pptx
@@ -10694,7 +10694,26 @@
                 <a:ea typeface="宋体" panose="02010600030101010101" pitchFamily="2" charset="-122"/>
                 <a:cs typeface="宋体" panose="02010600030101010101" pitchFamily="2" charset="-122"/>
               </a:rPr>
-              <a:t>上边界类型通配符（&lt;? extends 父类型&gt;）：因为可以确定父类型，所以可以以父类型去获取数据（向上转型）。但是不能写入数据。</a:t>
+              <a:t>上边界类型通配符（&lt;? extends 父类型&gt;）：因为可以确定父类型，所以可以以父类型去获取数据（向上转型）。但是</a:t>
+            </a:r>
+            <a:r>
+              <a:rPr lang="zh-CN" altLang="en-US" b="1">
+                <a:solidFill>
+                  <a:srgbClr val="FF0000"/>
+                </a:solidFill>
+                <a:latin typeface="宋体" panose="02010600030101010101" pitchFamily="2" charset="-122"/>
+                <a:ea typeface="宋体" panose="02010600030101010101" pitchFamily="2" charset="-122"/>
+                <a:cs typeface="宋体" panose="02010600030101010101" pitchFamily="2" charset="-122"/>
+              </a:rPr>
+              <a:t>不能写入数据</a:t>
+            </a:r>
+            <a:r>
+              <a:rPr lang="zh-CN" altLang="en-US">
+                <a:latin typeface="宋体" panose="02010600030101010101" pitchFamily="2" charset="-122"/>
+                <a:ea typeface="宋体" panose="02010600030101010101" pitchFamily="2" charset="-122"/>
+                <a:cs typeface="宋体" panose="02010600030101010101" pitchFamily="2" charset="-122"/>
+              </a:rPr>
+              <a:t>。</a:t>
             </a:r>
             <a:endParaRPr lang="zh-CN" altLang="en-US">
               <a:latin typeface="宋体" panose="02010600030101010101" pitchFamily="2" charset="-122"/>
@@ -10709,7 +10728,26 @@
                 <a:ea typeface="宋体" panose="02010600030101010101" pitchFamily="2" charset="-122"/>
                 <a:cs typeface="宋体" panose="02010600030101010101" pitchFamily="2" charset="-122"/>
               </a:rPr>
-              <a:t>下边界类型通配符（&lt;? super 子类型&gt;）：因为可以确定最小类型，所以可以以最小类型去写入数据（向上转型）。而不能获取数据。</a:t>
+              <a:t>下边界类型通配符（&lt;? super 子类型&gt;）：因为可以确定最小类型，所以可以以最小类型去写入数据（向上转型）。而</a:t>
+            </a:r>
+            <a:r>
+              <a:rPr lang="zh-CN" altLang="en-US" b="1">
+                <a:solidFill>
+                  <a:srgbClr val="FF0000"/>
+                </a:solidFill>
+                <a:latin typeface="宋体" panose="02010600030101010101" pitchFamily="2" charset="-122"/>
+                <a:ea typeface="宋体" panose="02010600030101010101" pitchFamily="2" charset="-122"/>
+                <a:cs typeface="宋体" panose="02010600030101010101" pitchFamily="2" charset="-122"/>
+              </a:rPr>
+              <a:t>不能获取数据</a:t>
+            </a:r>
+            <a:r>
+              <a:rPr lang="zh-CN" altLang="en-US">
+                <a:latin typeface="宋体" panose="02010600030101010101" pitchFamily="2" charset="-122"/>
+                <a:ea typeface="宋体" panose="02010600030101010101" pitchFamily="2" charset="-122"/>
+                <a:cs typeface="宋体" panose="02010600030101010101" pitchFamily="2" charset="-122"/>
+              </a:rPr>
+              <a:t>。</a:t>
             </a:r>
             <a:endParaRPr lang="zh-CN" altLang="en-US">
               <a:latin typeface="宋体" panose="02010600030101010101" pitchFamily="2" charset="-122"/>
